--- a/Workshop/4. Machine Learning/Azure Machine Learning.pptx
+++ b/Workshop/4. Machine Learning/Azure Machine Learning.pptx
@@ -212,7 +212,7 @@
           <a:p>
             <a:fld id="{49B60EF2-7028-489F-85D8-FE86CD7CF2A0}" type="datetimeFigureOut">
               <a:rPr lang="en-US" smtClean="0"/>
-              <a:t>10/10/2016</a:t>
+              <a:t>1/24/17</a:t>
             </a:fld>
             <a:endParaRPr lang="en-US"/>
           </a:p>
@@ -608,37 +608,37 @@
           <a:lstStyle/>
           <a:p>
             <a:r>
-              <a:rPr lang="en-US" dirty="0" smtClean="0"/>
+              <a:rPr lang="en-US" smtClean="0"/>
               <a:t>Linear regression has been around for hundreds of years and is widely used in statistical modeling. The simplest form of linear regression (univariate) has one input variable and one output variable. Various</a:t>
             </a:r>
             <a:r>
-              <a:rPr lang="en-US" baseline="0" dirty="0" smtClean="0"/>
+              <a:rPr lang="en-US" baseline="0" smtClean="0"/>
               <a:t> techniques are used to best-fit a line (hence, LINEAR regression) to the data. Multivariate linear regression is similar, but adds additional terms to the equation (b2, b3, and so on).</a:t>
             </a:r>
           </a:p>
           <a:p>
-            <a:endParaRPr lang="en-US" baseline="0" dirty="0" smtClean="0"/>
-          </a:p>
-          <a:p>
-            <a:r>
-              <a:rPr lang="en-US" baseline="0" dirty="0" smtClean="0"/>
+            <a:endParaRPr lang="en-US" baseline="0" smtClean="0"/>
+          </a:p>
+          <a:p>
+            <a:r>
+              <a:rPr lang="en-US" baseline="0" smtClean="0"/>
               <a:t>Training a linear regression model with millions of values can take time, but once the model is trained, using it to perform predictive analysis is fast because "running" the model involves little more than solving an equation whose coefficients have already been computed (during training).</a:t>
             </a:r>
             <a:br>
-              <a:rPr lang="en-US" baseline="0" dirty="0" smtClean="0"/>
+              <a:rPr lang="en-US" baseline="0" smtClean="0"/>
             </a:br>
             <a:r>
-              <a:rPr lang="en-US" baseline="0" dirty="0" smtClean="0"/>
+              <a:rPr lang="en-US" baseline="0" smtClean="0"/>
               <a:t/>
             </a:r>
             <a:br>
-              <a:rPr lang="en-US" baseline="0" dirty="0" smtClean="0"/>
+              <a:rPr lang="en-US" baseline="0" smtClean="0"/>
             </a:br>
             <a:r>
-              <a:rPr lang="en-US" baseline="0" dirty="0" smtClean="0"/>
+              <a:rPr lang="en-US" baseline="0" smtClean="0"/>
               <a:t>This illustration can be used to explain why picking the right algorithm is key to building an effective model. If there is not a relatively linear relationship between input variable(s) and output variable(s), then linear regression won't produce a robust predictive model.</a:t>
             </a:r>
-            <a:endParaRPr lang="en-US" dirty="0"/>
+            <a:endParaRPr lang="en-US"/>
           </a:p>
         </p:txBody>
       </p:sp>
@@ -740,22 +740,22 @@
               <a:defRPr/>
             </a:pPr>
             <a:r>
-              <a:rPr lang="en-US" dirty="0" smtClean="0"/>
+              <a:rPr lang="en-US" smtClean="0"/>
               <a:t>The Azure ML Cheat Sheet helps</a:t>
             </a:r>
             <a:r>
-              <a:rPr lang="en-US" baseline="0" dirty="0" smtClean="0"/>
+              <a:rPr lang="en-US" baseline="0" smtClean="0"/>
               <a:t> you pick the right algorithm for a model, even if you're not a trained data scientist. </a:t>
             </a:r>
             <a:r>
-              <a:rPr lang="en-US" dirty="0" smtClean="0"/>
+              <a:rPr lang="en-US" smtClean="0"/>
               <a:t>One example is if you want to use a set of input values to predict</a:t>
             </a:r>
             <a:r>
-              <a:rPr lang="en-US" baseline="0" dirty="0" smtClean="0"/>
+              <a:rPr lang="en-US" baseline="0" smtClean="0"/>
               <a:t> an output value from a continuous set of values (e.g., a person's age), use linear regression. But if you're more interested in the distribution of the output, you might use fast forest quantile regression instead. An example of when you would use the latter is using growth charts to assess child development. "Abby's height is in the 10% quantile of the heights of kids her age." Classification algorithms, by contrast, are used to predict a value from a discrete set of values -- for example, classifying an e-mail as spam or not spam.</a:t>
             </a:r>
-            <a:endParaRPr lang="en-US" dirty="0" smtClean="0"/>
+            <a:endParaRPr lang="en-US" smtClean="0"/>
           </a:p>
         </p:txBody>
       </p:sp>
@@ -840,14 +840,14 @@
           <a:lstStyle/>
           <a:p>
             <a:r>
-              <a:rPr lang="en-US" dirty="0" smtClean="0"/>
+              <a:rPr lang="en-US" smtClean="0"/>
               <a:t>Once deployed as a Web service, a model can be used</a:t>
             </a:r>
             <a:r>
-              <a:rPr lang="en-US" baseline="0" dirty="0" smtClean="0"/>
+              <a:rPr lang="en-US" baseline="0" smtClean="0"/>
               <a:t> with simple REST calls over HTTP. This enables developers to build "smart apps" that get their intelligence from ML. In the next lab, students will build and train an ML model, deploy it as a Web service, and then write a client app that uses it.</a:t>
             </a:r>
-            <a:endParaRPr lang="en-US" dirty="0"/>
+            <a:endParaRPr lang="en-US"/>
           </a:p>
         </p:txBody>
       </p:sp>
@@ -932,14 +932,14 @@
           <a:lstStyle/>
           <a:p>
             <a:r>
-              <a:rPr lang="en-US" dirty="0" smtClean="0"/>
+              <a:rPr lang="en-US" smtClean="0"/>
               <a:t>Good book -- and free!</a:t>
             </a:r>
             <a:r>
-              <a:rPr lang="en-US" baseline="0" dirty="0" smtClean="0"/>
+              <a:rPr lang="en-US" baseline="0" smtClean="0"/>
               <a:t> Another recommended book on Azure Machine is Learning is "Predictive Analytics with Microsoft Azure Machine Learning " (https://www.amazon.com/Predictive-Analytics-Microsoft-Machine-Learning/dp/1484212010).</a:t>
             </a:r>
-            <a:endParaRPr lang="en-US" dirty="0"/>
+            <a:endParaRPr lang="en-US"/>
           </a:p>
         </p:txBody>
       </p:sp>
@@ -1098,7 +1098,15 @@
             </a:pPr>
             <a:r>
               <a:rPr lang="en-US" baseline="0" dirty="0" smtClean="0"/>
-              <a:t>Machine learning models fall into two broad categories: supervised and unsupervised. In supervised learning, the model is "trained" with a large volume of data and algorithms are then used to predict an outcome from future inputs. Most supervised learning models use regression algorithms to compute an outcome from a continuous set of possible outcomes (for example, your score on a test), or classification algorithms to compute the probability of an outcome from a finite set of possible outcomes (for example, the probability that an e-mail is spam or a credit-card transaction is fraudulent). In unsupervised learning, the computer isn't trained, but is presented with a set of data and challenged to find relationships in it. K-Means Clustering is a common unsupervised learning algorithm. For a great explanation of how it works, see https://blog.intercom.io/machine-learning-way-easier-than-it-looks/.</a:t>
+              <a:t>Machine learning models fall into two broad categories: supervised and unsupervised. In supervised learning, the model is "trained" with a large volume of data and algorithms are then used to predict an outcome from future inputs. Most supervised learning models use regression algorithms to compute an outcome from a continuous set of possible outcomes (for example, your score on a test), or classification algorithms to compute the probability of an outcome from a finite set of possible outcomes (for example, the probability that an e-mail is spam or a credit-card transaction is fraudulent). In unsupervised learning, the computer isn't trained, but is presented with a set of data and challenged to find relationships in it. K-Means Clustering is a common unsupervised learning algorithm. For a great explanation of how it works, see https://</a:t>
+            </a:r>
+            <a:r>
+              <a:rPr lang="en-US" baseline="0" dirty="0" err="1" smtClean="0"/>
+              <a:t>blog.intercom.io</a:t>
+            </a:r>
+            <a:r>
+              <a:rPr lang="en-US" baseline="0" dirty="0" smtClean="0"/>
+              <a:t>/machine-learning-way-easier-than-it-looks/.</a:t>
             </a:r>
             <a:endParaRPr lang="en-US" dirty="0" smtClean="0"/>
           </a:p>
@@ -1188,7 +1196,7 @@
           <a:lstStyle/>
           <a:p>
             <a:r>
-              <a:rPr lang="en-US" sz="1200" u="sng" kern="1200" dirty="0" smtClean="0">
+              <a:rPr lang="en-US" sz="1200" u="sng" kern="1200" smtClean="0">
                 <a:solidFill>
                   <a:schemeClr val="tx1"/>
                 </a:solidFill>
@@ -1201,7 +1209,7 @@
               <a:t>https://how-old.net/#</a:t>
             </a:r>
             <a:r>
-              <a:rPr lang="en-US" sz="1200" u="none" kern="1200" baseline="0" dirty="0" smtClean="0">
+              <a:rPr lang="en-US" sz="1200" u="none" kern="1200" baseline="0" smtClean="0">
                 <a:solidFill>
                   <a:schemeClr val="tx1"/>
                 </a:solidFill>
@@ -1212,7 +1220,7 @@
               </a:rPr>
               <a:t> offers a great example of machine learning in action. Created by Microsoft, the site uses advanced image-recognition techniques to analyze photos you upload and then uses an ML model to "predict" the ages of the people in the photos.</a:t>
             </a:r>
-            <a:endParaRPr lang="en-US" dirty="0"/>
+            <a:endParaRPr lang="en-US"/>
           </a:p>
         </p:txBody>
       </p:sp>
@@ -1297,14 +1305,14 @@
           <a:lstStyle/>
           <a:p>
             <a:r>
-              <a:rPr lang="en-US" dirty="0" smtClean="0"/>
+              <a:rPr lang="en-US" smtClean="0"/>
               <a:t>Microsoft has a rich history of employing machine learning in their products, beginning with the Silicon Valley company they purchased in 1999 and created Hotmail from. Hotmail used</a:t>
             </a:r>
             <a:r>
-              <a:rPr lang="en-US" baseline="0" dirty="0" smtClean="0"/>
+              <a:rPr lang="en-US" baseline="0" smtClean="0"/>
               <a:t> ML to perform advanced spam detection.</a:t>
             </a:r>
-            <a:endParaRPr lang="en-US" dirty="0"/>
+            <a:endParaRPr lang="en-US"/>
           </a:p>
         </p:txBody>
       </p:sp>
@@ -1389,7 +1397,7 @@
           <a:lstStyle/>
           <a:p>
             <a:r>
-              <a:rPr lang="en-US" sz="1200" kern="1200" dirty="0" smtClean="0">
+              <a:rPr lang="en-US" sz="1200" kern="1200" smtClean="0">
                 <a:solidFill>
                   <a:schemeClr val="tx1"/>
                 </a:solidFill>
@@ -1401,11 +1409,11 @@
               <a:t>Azure Machine Learning</a:t>
             </a:r>
             <a:r>
-              <a:rPr lang="en-US" dirty="0" smtClean="0"/>
+              <a:rPr lang="en-US" smtClean="0"/>
               <a:t> is a cloud-based predictive-analytics service that offers a streamlined experience for data scientists of all skill levels. It's accompanied by the Azure Machine Learning Studio (ML Studio), which is a browser-based tool that provides an easy to use, drag-and-drop interface for building machine-learning models. It comes with a library of time-saving experiments and features best-in-class algorithms developed and tested in the real world by Microsoft businesses such as Bing. And its built-in support for </a:t>
             </a:r>
             <a:r>
-              <a:rPr lang="en-US" sz="1200" kern="1200" dirty="0" smtClean="0">
+              <a:rPr lang="en-US" sz="1200" kern="1200" smtClean="0">
                 <a:solidFill>
                   <a:schemeClr val="tx1"/>
                 </a:solidFill>
@@ -1417,11 +1425,11 @@
               <a:t>R</a:t>
             </a:r>
             <a:r>
-              <a:rPr lang="en-US" dirty="0" smtClean="0"/>
+              <a:rPr lang="en-US" smtClean="0"/>
               <a:t> and </a:t>
             </a:r>
             <a:r>
-              <a:rPr lang="en-US" sz="1200" kern="1200" dirty="0" smtClean="0">
+              <a:rPr lang="en-US" sz="1200" kern="1200" smtClean="0">
                 <a:solidFill>
                   <a:schemeClr val="tx1"/>
                 </a:solidFill>
@@ -1433,11 +1441,11 @@
               <a:t>Python</a:t>
             </a:r>
             <a:r>
-              <a:rPr lang="en-US" dirty="0" smtClean="0"/>
+              <a:rPr lang="en-US" smtClean="0"/>
               <a:t> means you can build custom scripts  to customize your model. Once you've built and trained your model in the ML Studio, you can easily expose it as a Web service that is consumable from a variety of programming languages, or share it with the community by placing it in the </a:t>
             </a:r>
             <a:r>
-              <a:rPr lang="en-US" sz="1200" kern="1200" dirty="0" smtClean="0">
+              <a:rPr lang="en-US" sz="1200" kern="1200" smtClean="0">
                 <a:solidFill>
                   <a:schemeClr val="tx1"/>
                 </a:solidFill>
@@ -1449,10 +1457,10 @@
               <a:t>Cortana Intelligence Gallery</a:t>
             </a:r>
             <a:r>
-              <a:rPr lang="en-US" dirty="0" smtClean="0"/>
+              <a:rPr lang="en-US" smtClean="0"/>
               <a:t>.</a:t>
             </a:r>
-            <a:endParaRPr lang="en-US" dirty="0"/>
+            <a:endParaRPr lang="en-US"/>
           </a:p>
         </p:txBody>
       </p:sp>
@@ -1554,32 +1562,32 @@
               <a:defRPr/>
             </a:pPr>
             <a:r>
-              <a:rPr lang="en-US" dirty="0" smtClean="0"/>
+              <a:rPr lang="en-US" smtClean="0"/>
               <a:t>This quote came from a graduate</a:t>
             </a:r>
             <a:r>
-              <a:rPr lang="en-US" baseline="0" dirty="0" smtClean="0"/>
+              <a:rPr lang="en-US" baseline="0" smtClean="0"/>
               <a:t> student </a:t>
             </a:r>
             <a:r>
-              <a:rPr lang="en-US" dirty="0" smtClean="0"/>
+              <a:rPr lang="en-US" smtClean="0"/>
               <a:t>who attended this class at UMass. He had already accepted at offer</a:t>
             </a:r>
             <a:r>
-              <a:rPr lang="en-US" baseline="0" dirty="0" smtClean="0"/>
+              <a:rPr lang="en-US" baseline="0" smtClean="0"/>
               <a:t> to go to work for </a:t>
             </a:r>
             <a:r>
-              <a:rPr lang="en-US" dirty="0" smtClean="0"/>
+              <a:rPr lang="en-US" smtClean="0"/>
               <a:t>Microsoft post-graduation. </a:t>
             </a:r>
             <a:r>
-              <a:rPr lang="en-US" dirty="0" smtClean="0">
+              <a:rPr lang="en-US" smtClean="0">
                 <a:sym typeface="Wingdings" panose="05000000000000000000" pitchFamily="2" charset="2"/>
               </a:rPr>
               <a:t></a:t>
             </a:r>
-            <a:endParaRPr lang="en-US" dirty="0" smtClean="0"/>
+            <a:endParaRPr lang="en-US" smtClean="0"/>
           </a:p>
         </p:txBody>
       </p:sp>
@@ -1756,14 +1764,14 @@
           <a:lstStyle/>
           <a:p>
             <a:r>
-              <a:rPr lang="en-US" dirty="0" smtClean="0"/>
+              <a:rPr lang="en-US" smtClean="0"/>
               <a:t>ML starts with data, which can come from a variety of sources. The data typically needs to be "cleaned" before</a:t>
             </a:r>
             <a:r>
-              <a:rPr lang="en-US" baseline="0" dirty="0" smtClean="0"/>
+              <a:rPr lang="en-US" baseline="0" smtClean="0"/>
               <a:t> it is used, and ML Studio includes modules to help with the cleaning. (Examples of cleaning include removing rows with missing data, replacing missing data algorithmically, removing duplicate rows, and removing rows containing "outliers." In practice, cleaning the data can be very time-intensive and often consumes 50% of the time required to build the model.) Once the data is ready, you select an algorithm and "train" the model by allowing it to iterate over the data and find patterns in it. After that comes scoring and evaluating the model, which tells you how well the model is able to predict outcomes. All of this is performed visually in ML Studio. Once the model is ready, a few button clicks deploy it as a Web service so it can be called from client apps.</a:t>
             </a:r>
-            <a:endParaRPr lang="en-US" dirty="0"/>
+            <a:endParaRPr lang="en-US"/>
           </a:p>
         </p:txBody>
       </p:sp>
@@ -1848,7 +1856,7 @@
           <a:lstStyle/>
           <a:p>
             <a:r>
-              <a:rPr lang="en-US" sz="1200" kern="1200" dirty="0" smtClean="0">
+              <a:rPr lang="en-US" sz="1200" kern="1200" smtClean="0">
                 <a:solidFill>
                   <a:schemeClr val="tx1"/>
                 </a:solidFill>
@@ -1860,7 +1868,7 @@
               <a:t>ML Studio provides canned implementations of 25 of </a:t>
             </a:r>
             <a:r>
-              <a:rPr lang="en-US" sz="1200" kern="1200" baseline="0" dirty="0" smtClean="0">
+              <a:rPr lang="en-US" sz="1200" kern="1200" baseline="0" smtClean="0">
                 <a:solidFill>
                   <a:schemeClr val="tx1"/>
                 </a:solidFill>
@@ -1873,7 +1881,7 @@
             </a:r>
           </a:p>
           <a:p>
-            <a:endParaRPr lang="en-US" sz="1200" kern="1200" dirty="0" smtClean="0">
+            <a:endParaRPr lang="en-US" sz="1200" kern="1200" smtClean="0">
               <a:solidFill>
                 <a:schemeClr val="tx1"/>
               </a:solidFill>
@@ -1885,7 +1893,7 @@
           </a:p>
           <a:p>
             <a:r>
-              <a:rPr lang="en-US" sz="1200" kern="1200" dirty="0" smtClean="0">
+              <a:rPr lang="en-US" sz="1200" kern="1200" smtClean="0">
                 <a:solidFill>
                   <a:schemeClr val="tx1"/>
                 </a:solidFill>
@@ -1898,7 +1906,7 @@
             </a:r>
           </a:p>
           <a:p>
-            <a:endParaRPr lang="en-US" sz="1200" kern="1200" dirty="0" smtClean="0">
+            <a:endParaRPr lang="en-US" sz="1200" kern="1200" smtClean="0">
               <a:solidFill>
                 <a:schemeClr val="tx1"/>
               </a:solidFill>
@@ -1910,7 +1918,7 @@
           </a:p>
           <a:p>
             <a:r>
-              <a:rPr lang="en-US" sz="1200" kern="1200" dirty="0" smtClean="0">
+              <a:rPr lang="en-US" sz="1200" kern="1200" smtClean="0">
                 <a:solidFill>
                   <a:schemeClr val="tx1"/>
                 </a:solidFill>
@@ -1922,7 +1930,7 @@
               <a:t>Regression algorithms seek to establish and quantify relationships between variables. By establishing a relationship between a dependent variable and one or more independent variables, regression analysis can enable the value of a dependent variable to be predicted given a set of inputs with a quantifiable accuracy. A great example can be seen at </a:t>
             </a:r>
             <a:r>
-              <a:rPr lang="en-US" sz="1200" u="sng" kern="1200" dirty="0" smtClean="0">
+              <a:rPr lang="en-US" sz="1200" u="sng" kern="1200" smtClean="0">
                 <a:solidFill>
                   <a:schemeClr val="tx1"/>
                 </a:solidFill>
@@ -1935,7 +1943,7 @@
               <a:t>https://how-old.net/#</a:t>
             </a:r>
             <a:r>
-              <a:rPr lang="en-US" sz="1200" kern="1200" dirty="0" smtClean="0">
+              <a:rPr lang="en-US" sz="1200" kern="1200" smtClean="0">
                 <a:solidFill>
                   <a:schemeClr val="tx1"/>
                 </a:solidFill>
@@ -1948,7 +1956,7 @@
             </a:r>
           </a:p>
           <a:p>
-            <a:endParaRPr lang="en-US" sz="1200" kern="1200" dirty="0" smtClean="0">
+            <a:endParaRPr lang="en-US" sz="1200" kern="1200" smtClean="0">
               <a:solidFill>
                 <a:schemeClr val="tx1"/>
               </a:solidFill>
@@ -1960,7 +1968,7 @@
           </a:p>
           <a:p>
             <a:r>
-              <a:rPr lang="en-US" sz="1200" kern="1200" dirty="0" smtClean="0">
+              <a:rPr lang="en-US" sz="1200" kern="1200" smtClean="0">
                 <a:solidFill>
                   <a:schemeClr val="tx1"/>
                 </a:solidFill>
@@ -1973,7 +1981,7 @@
             </a:r>
           </a:p>
           <a:p>
-            <a:endParaRPr lang="en-US" sz="1200" kern="1200" dirty="0" smtClean="0">
+            <a:endParaRPr lang="en-US" sz="1200" kern="1200" smtClean="0">
               <a:solidFill>
                 <a:schemeClr val="tx1"/>
               </a:solidFill>
@@ -1985,7 +1993,7 @@
           </a:p>
           <a:p>
             <a:r>
-              <a:rPr lang="en-US" sz="1200" kern="1200" dirty="0" smtClean="0">
+              <a:rPr lang="en-US" sz="1200" kern="1200" smtClean="0">
                 <a:solidFill>
                   <a:schemeClr val="tx1"/>
                 </a:solidFill>
@@ -1998,7 +2006,7 @@
             </a:r>
           </a:p>
           <a:p>
-            <a:endParaRPr lang="en-US" dirty="0" smtClean="0"/>
+            <a:endParaRPr lang="en-US" smtClean="0"/>
           </a:p>
         </p:txBody>
       </p:sp>
@@ -2185,7 +2193,7 @@
           <a:p>
             <a:fld id="{0459C166-16D3-4A25-A2F8-C51E0E346B22}" type="datetimeFigureOut">
               <a:rPr lang="en-US" smtClean="0"/>
-              <a:t>10/10/2016</a:t>
+              <a:t>1/24/17</a:t>
             </a:fld>
             <a:endParaRPr lang="en-US"/>
           </a:p>
@@ -2280,7 +2288,7 @@
           <a:p>
             <a:fld id="{0459C166-16D3-4A25-A2F8-C51E0E346B22}" type="datetimeFigureOut">
               <a:rPr lang="en-US" smtClean="0"/>
-              <a:t>10/10/2016</a:t>
+              <a:t>1/24/17</a:t>
             </a:fld>
             <a:endParaRPr lang="en-US"/>
           </a:p>
@@ -2555,7 +2563,7 @@
           <a:p>
             <a:fld id="{0459C166-16D3-4A25-A2F8-C51E0E346B22}" type="datetimeFigureOut">
               <a:rPr lang="en-US" smtClean="0"/>
-              <a:t>10/10/2016</a:t>
+              <a:t>1/24/17</a:t>
             </a:fld>
             <a:endParaRPr lang="en-US"/>
           </a:p>
@@ -2807,7 +2815,7 @@
           <a:p>
             <a:fld id="{0459C166-16D3-4A25-A2F8-C51E0E346B22}" type="datetimeFigureOut">
               <a:rPr lang="en-US" smtClean="0"/>
-              <a:t>10/10/2016</a:t>
+              <a:t>1/24/17</a:t>
             </a:fld>
             <a:endParaRPr lang="en-US"/>
           </a:p>
@@ -2975,7 +2983,7 @@
           <a:p>
             <a:fld id="{0459C166-16D3-4A25-A2F8-C51E0E346B22}" type="datetimeFigureOut">
               <a:rPr lang="en-US" smtClean="0"/>
-              <a:t>10/10/2016</a:t>
+              <a:t>1/24/17</a:t>
             </a:fld>
             <a:endParaRPr lang="en-US"/>
           </a:p>
@@ -3153,7 +3161,7 @@
           <a:p>
             <a:fld id="{0459C166-16D3-4A25-A2F8-C51E0E346B22}" type="datetimeFigureOut">
               <a:rPr lang="en-US" smtClean="0"/>
-              <a:t>10/10/2016</a:t>
+              <a:t>1/24/17</a:t>
             </a:fld>
             <a:endParaRPr lang="en-US"/>
           </a:p>
@@ -5080,7 +5088,7 @@
           <a:p>
             <a:fld id="{0459C166-16D3-4A25-A2F8-C51E0E346B22}" type="datetimeFigureOut">
               <a:rPr lang="en-US" smtClean="0"/>
-              <a:t>10/10/2016</a:t>
+              <a:t>1/24/17</a:t>
             </a:fld>
             <a:endParaRPr lang="en-US"/>
           </a:p>
@@ -5448,7 +5456,7 @@
                 <a:spcPct val="0"/>
               </a:spcAft>
             </a:pPr>
-            <a:endParaRPr lang="en-US" sz="2199" dirty="0">
+            <a:endParaRPr lang="en-US" sz="2199">
               <a:gradFill>
                 <a:gsLst>
                   <a:gs pos="0">
@@ -10707,7 +10715,7 @@
             <a:fld id="{0459C166-16D3-4A25-A2F8-C51E0E346B22}" type="datetimeFigureOut">
               <a:rPr lang="en-US" smtClean="0"/>
               <a:pPr/>
-              <a:t>10/10/2016</a:t>
+              <a:t>1/24/17</a:t>
             </a:fld>
             <a:endParaRPr lang="en-US"/>
           </a:p>
@@ -12064,7 +12072,7 @@
             </a:bodyPr>
             <a:lstStyle/>
             <a:p>
-              <a:endParaRPr lang="en-US" sz="2352" dirty="0">
+              <a:endParaRPr lang="en-US" sz="2352">
                 <a:solidFill>
                   <a:srgbClr val="292929"/>
                 </a:solidFill>
@@ -12115,7 +12123,7 @@
             </a:bodyPr>
             <a:lstStyle/>
             <a:p>
-              <a:endParaRPr lang="en-US" sz="2352" dirty="0">
+              <a:endParaRPr lang="en-US" sz="2352">
                 <a:solidFill>
                   <a:srgbClr val="292929"/>
                 </a:solidFill>
@@ -12166,7 +12174,7 @@
             </a:bodyPr>
             <a:lstStyle/>
             <a:p>
-              <a:endParaRPr lang="en-US" sz="2352" dirty="0">
+              <a:endParaRPr lang="en-US" sz="2352">
                 <a:solidFill>
                   <a:srgbClr val="292929"/>
                 </a:solidFill>
@@ -12217,7 +12225,7 @@
             </a:bodyPr>
             <a:lstStyle/>
             <a:p>
-              <a:endParaRPr lang="en-US" sz="2352" dirty="0">
+              <a:endParaRPr lang="en-US" sz="2352">
                 <a:solidFill>
                   <a:srgbClr val="292929"/>
                 </a:solidFill>
@@ -12268,7 +12276,7 @@
             </a:bodyPr>
             <a:lstStyle/>
             <a:p>
-              <a:endParaRPr lang="en-US" sz="2352" dirty="0">
+              <a:endParaRPr lang="en-US" sz="2352">
                 <a:solidFill>
                   <a:srgbClr val="292929"/>
                 </a:solidFill>
@@ -12313,7 +12321,7 @@
           <a:p>
             <a:pPr defTabSz="913836" eaLnBrk="0" hangingPunct="0"/>
             <a:r>
-              <a:rPr lang="en-US" sz="700" dirty="0">
+              <a:rPr lang="en-US" sz="700">
                 <a:gradFill>
                   <a:gsLst>
                     <a:gs pos="0">
@@ -12330,7 +12338,7 @@
               <a:t>© </a:t>
             </a:r>
             <a:r>
-              <a:rPr lang="en-US" sz="700" dirty="0" smtClean="0">
+              <a:rPr lang="en-US" sz="700" smtClean="0">
                 <a:gradFill>
                   <a:gsLst>
                     <a:gs pos="0">
@@ -12347,7 +12355,7 @@
               <a:t>201</a:t>
             </a:r>
             <a:r>
-              <a:rPr lang="en-US" altLang="zh-CN" sz="700" dirty="0" smtClean="0">
+              <a:rPr lang="en-US" altLang="zh-CN" sz="700" smtClean="0">
                 <a:gradFill>
                   <a:gsLst>
                     <a:gs pos="0">
@@ -12364,7 +12372,7 @@
               <a:t>6</a:t>
             </a:r>
             <a:r>
-              <a:rPr lang="en-US" sz="700" dirty="0" smtClean="0">
+              <a:rPr lang="en-US" sz="700" smtClean="0">
                 <a:gradFill>
                   <a:gsLst>
                     <a:gs pos="0">
@@ -12381,7 +12389,7 @@
               <a:t> </a:t>
             </a:r>
             <a:r>
-              <a:rPr lang="en-US" sz="700" dirty="0">
+              <a:rPr lang="en-US" sz="700">
                 <a:gradFill>
                   <a:gsLst>
                     <a:gs pos="0">
@@ -12401,7 +12409,7 @@
           <a:p>
             <a:pPr defTabSz="913836" eaLnBrk="0" hangingPunct="0"/>
             <a:r>
-              <a:rPr lang="en-US" sz="700" dirty="0">
+              <a:rPr lang="en-US" sz="700">
                 <a:gradFill>
                   <a:gsLst>
                     <a:gs pos="0">
@@ -13472,7 +13480,7 @@
           <a:lstStyle/>
           <a:p>
             <a:r>
-              <a:rPr lang="en-US" sz="4000" dirty="0" smtClean="0">
+              <a:rPr lang="en-US" sz="4000" smtClean="0">
                 <a:solidFill>
                   <a:srgbClr val="FFFFFF"/>
                 </a:solidFill>
@@ -13481,7 +13489,7 @@
               <a:t>Microsoft Azure </a:t>
             </a:r>
             <a:r>
-              <a:rPr lang="en-US" sz="4000" dirty="0">
+              <a:rPr lang="en-US" sz="4000">
                 <a:solidFill>
                   <a:srgbClr val="FFFFFF"/>
                 </a:solidFill>
@@ -13492,7 +13500,7 @@
           </a:p>
           <a:p>
             <a:r>
-              <a:rPr lang="en-US" sz="2400" dirty="0">
+              <a:rPr lang="en-US" sz="2400">
                 <a:solidFill>
                   <a:srgbClr val="FFFFFF"/>
                 </a:solidFill>
@@ -13513,7 +13521,7 @@
               </a:buClr>
               <a:buSzPct val="120000"/>
             </a:pPr>
-            <a:endParaRPr lang="en-US" sz="3200" dirty="0" err="1">
+            <a:endParaRPr lang="en-US" sz="3200" err="1">
               <a:solidFill>
                 <a:srgbClr val="FFFFFF"/>
               </a:solidFill>
@@ -13544,7 +13552,7 @@
           <a:lstStyle/>
           <a:p>
             <a:r>
-              <a:rPr lang="en-US" altLang="zh-CN" sz="2000" kern="1800" baseline="30000" dirty="0" smtClean="0">
+              <a:rPr lang="en-US" altLang="zh-CN" sz="2000" kern="1800" baseline="30000" smtClean="0">
                 <a:solidFill>
                   <a:srgbClr val="FFFFFF"/>
                 </a:solidFill>
@@ -13554,7 +13562,7 @@
               <a:t>Microsoft A</a:t>
             </a:r>
             <a:r>
-              <a:rPr lang="en-US" sz="2000" kern="1800" baseline="30000" dirty="0" smtClean="0">
+              <a:rPr lang="en-US" sz="2000" kern="1800" baseline="30000" smtClean="0">
                 <a:solidFill>
                   <a:srgbClr val="FFFFFF"/>
                 </a:solidFill>
@@ -13564,7 +13572,7 @@
               <a:t>zure </a:t>
             </a:r>
             <a:r>
-              <a:rPr lang="en-US" sz="2000" kern="1800" baseline="30000" dirty="0">
+              <a:rPr lang="en-US" sz="2000" kern="1800" baseline="30000">
                 <a:solidFill>
                   <a:srgbClr val="FFFFFF"/>
                 </a:solidFill>
@@ -13574,7 +13582,7 @@
               <a:t>provides researchers with the power and scalability of cloud computing for collaboration, computation, and data-intensive processing. This open and flexible global cloud platform supports any language, tool, or framework. </a:t>
             </a:r>
             <a:r>
-              <a:rPr lang="en-US" kern="1800" baseline="30000" dirty="0">
+              <a:rPr lang="en-US" kern="1800" baseline="30000">
                 <a:solidFill>
                   <a:srgbClr val="FFFFFF"/>
                 </a:solidFill>
@@ -13584,7 +13592,7 @@
               <a:t> </a:t>
             </a:r>
             <a:r>
-              <a:rPr lang="en-US" kern="1600" baseline="30000" dirty="0">
+              <a:rPr lang="en-US" kern="1600" baseline="30000">
                 <a:solidFill>
                   <a:srgbClr val="FFFFFF"/>
                 </a:solidFill>
@@ -13618,7 +13626,7 @@
           <a:lstStyle/>
           <a:p>
             <a:r>
-              <a:rPr lang="en-US" sz="3200" baseline="30000" dirty="0">
+              <a:rPr lang="en-US" sz="3200" baseline="30000">
                 <a:solidFill>
                   <a:srgbClr val="C60651"/>
                 </a:solidFill>
@@ -13627,7 +13635,7 @@
               <a:t>The </a:t>
             </a:r>
             <a:r>
-              <a:rPr lang="en-US" sz="3200" baseline="30000" dirty="0" smtClean="0">
+              <a:rPr lang="en-US" sz="3200" baseline="30000" smtClean="0">
                 <a:solidFill>
                   <a:srgbClr val="C60651"/>
                 </a:solidFill>
@@ -13636,7 +13644,7 @@
               <a:t>Microsoft Azure </a:t>
             </a:r>
             <a:r>
-              <a:rPr lang="en-US" sz="3200" baseline="30000" dirty="0">
+              <a:rPr lang="en-US" sz="3200" baseline="30000">
                 <a:solidFill>
                   <a:srgbClr val="C60651"/>
                 </a:solidFill>
@@ -13644,7 +13652,7 @@
               </a:rPr>
               <a:t>for Research program:</a:t>
             </a:r>
-            <a:endParaRPr lang="en-US" sz="3200" baseline="30000" dirty="0">
+            <a:endParaRPr lang="en-US" sz="3200" baseline="30000">
               <a:solidFill>
                 <a:srgbClr val="C60651"/>
               </a:solidFill>
@@ -13675,7 +13683,7 @@
           <a:lstStyle/>
           <a:p>
             <a:r>
-              <a:rPr lang="en-US" sz="2000" b="1" baseline="30000" dirty="0">
+              <a:rPr lang="en-US" sz="2000" b="1" baseline="30000">
                 <a:solidFill>
                   <a:srgbClr val="C60651"/>
                 </a:solidFill>
@@ -13683,7 +13691,7 @@
               <a:t>·</a:t>
             </a:r>
             <a:r>
-              <a:rPr lang="en-US" sz="2000" baseline="30000" dirty="0">
+              <a:rPr lang="en-US" sz="2000" baseline="30000">
                 <a:solidFill>
                   <a:srgbClr val="C60651"/>
                 </a:solidFill>
@@ -13692,7 +13700,7 @@
               <a:t>  </a:t>
             </a:r>
             <a:r>
-              <a:rPr lang="en-US" sz="2000" baseline="30000" dirty="0">
+              <a:rPr lang="en-US" sz="2000" baseline="30000">
                 <a:solidFill>
                   <a:srgbClr val="717073"/>
                 </a:solidFill>
@@ -13700,7 +13708,7 @@
               <a:t>Free access to </a:t>
             </a:r>
             <a:r>
-              <a:rPr lang="en-US" sz="2000" baseline="30000" dirty="0" smtClean="0">
+              <a:rPr lang="en-US" sz="2000" baseline="30000" smtClean="0">
                 <a:solidFill>
                   <a:srgbClr val="717073"/>
                 </a:solidFill>
@@ -13708,7 +13716,7 @@
               <a:t>Microsoft </a:t>
             </a:r>
             <a:r>
-              <a:rPr lang="en-US" sz="2000" baseline="30000" dirty="0">
+              <a:rPr lang="en-US" sz="2000" baseline="30000">
                 <a:solidFill>
                   <a:srgbClr val="717073"/>
                 </a:solidFill>
@@ -13716,7 +13724,7 @@
               <a:t>Azure cloud computing and storage  </a:t>
             </a:r>
             <a:r>
-              <a:rPr lang="en-US" sz="2000" dirty="0">
+              <a:rPr lang="en-US" sz="2000">
                 <a:solidFill>
                   <a:srgbClr val="717073"/>
                 </a:solidFill>
@@ -13731,7 +13739,7 @@
               </a:spcAft>
             </a:pPr>
             <a:r>
-              <a:rPr lang="en-US" sz="2000" baseline="30000" dirty="0">
+              <a:rPr lang="en-US" sz="2000" baseline="30000">
                 <a:solidFill>
                   <a:srgbClr val="717073"/>
                 </a:solidFill>
@@ -13739,7 +13747,7 @@
               <a:t>   (submit proposals for </a:t>
             </a:r>
             <a:r>
-              <a:rPr lang="en-US" altLang="zh-CN" sz="2000" baseline="30000" dirty="0" smtClean="0">
+              <a:rPr lang="en-US" altLang="zh-CN" sz="2000" baseline="30000" smtClean="0">
                 <a:solidFill>
                   <a:srgbClr val="717073"/>
                 </a:solidFill>
@@ -13747,7 +13755,7 @@
               <a:t>Microsoft </a:t>
             </a:r>
             <a:r>
-              <a:rPr lang="en-US" sz="2000" baseline="30000" dirty="0" smtClean="0">
+              <a:rPr lang="en-US" sz="2000" baseline="30000" smtClean="0">
                 <a:solidFill>
                   <a:srgbClr val="717073"/>
                 </a:solidFill>
@@ -13755,7 +13763,7 @@
               <a:t>Azure </a:t>
             </a:r>
             <a:r>
-              <a:rPr lang="en-US" sz="2000" baseline="30000" dirty="0">
+              <a:rPr lang="en-US" sz="2000" baseline="30000">
                 <a:solidFill>
                   <a:srgbClr val="717073"/>
                 </a:solidFill>
@@ -13765,7 +13773,7 @@
           </a:p>
           <a:p>
             <a:r>
-              <a:rPr lang="en-US" sz="2000" b="1" baseline="30000" dirty="0">
+              <a:rPr lang="en-US" sz="2000" b="1" baseline="30000">
                 <a:solidFill>
                   <a:srgbClr val="C60651"/>
                 </a:solidFill>
@@ -13773,7 +13781,7 @@
               <a:t>·</a:t>
             </a:r>
             <a:r>
-              <a:rPr lang="en-US" sz="2000" baseline="30000" dirty="0">
+              <a:rPr lang="en-US" sz="2000" baseline="30000">
                 <a:solidFill>
                   <a:srgbClr val="C60651"/>
                 </a:solidFill>
@@ -13781,7 +13789,7 @@
               <a:t>  </a:t>
             </a:r>
             <a:r>
-              <a:rPr lang="en-US" altLang="zh-CN" sz="2000" baseline="30000" dirty="0" smtClean="0">
+              <a:rPr lang="en-US" altLang="zh-CN" sz="2000" baseline="30000" smtClean="0">
                 <a:solidFill>
                   <a:srgbClr val="717073"/>
                 </a:solidFill>
@@ -13789,7 +13797,7 @@
               <a:t>Microsoft </a:t>
             </a:r>
             <a:r>
-              <a:rPr lang="en-US" sz="2000" baseline="30000" dirty="0" smtClean="0">
+              <a:rPr lang="en-US" sz="2000" baseline="30000" smtClean="0">
                 <a:solidFill>
                   <a:srgbClr val="717073"/>
                 </a:solidFill>
@@ -13797,7 +13805,7 @@
               <a:t>Azure </a:t>
             </a:r>
             <a:r>
-              <a:rPr lang="en-US" sz="2000" baseline="30000" dirty="0">
+              <a:rPr lang="en-US" sz="2000" baseline="30000">
                 <a:solidFill>
                   <a:srgbClr val="717073"/>
                 </a:solidFill>
@@ -13807,7 +13815,7 @@
           </a:p>
           <a:p>
             <a:r>
-              <a:rPr lang="en-US" sz="2000" b="1" baseline="30000" dirty="0">
+              <a:rPr lang="en-US" sz="2000" b="1" baseline="30000">
                 <a:solidFill>
                   <a:srgbClr val="C60651"/>
                 </a:solidFill>
@@ -13815,7 +13823,7 @@
               <a:t>·</a:t>
             </a:r>
             <a:r>
-              <a:rPr lang="en-US" sz="2000" baseline="30000" dirty="0">
+              <a:rPr lang="en-US" sz="2000" baseline="30000">
                 <a:solidFill>
                   <a:srgbClr val="C60651"/>
                 </a:solidFill>
@@ -13823,14 +13831,14 @@
               <a:t>  </a:t>
             </a:r>
             <a:r>
-              <a:rPr lang="en-US" sz="2000" baseline="30000" dirty="0">
+              <a:rPr lang="en-US" sz="2000" baseline="30000">
                 <a:solidFill>
                   <a:srgbClr val="717073"/>
                 </a:solidFill>
               </a:rPr>
               <a:t>Support and technical resources</a:t>
             </a:r>
-            <a:endParaRPr lang="en-US" sz="2000" dirty="0">
+            <a:endParaRPr lang="en-US" sz="2000">
               <a:solidFill>
                 <a:srgbClr val="292929"/>
               </a:solidFill>
@@ -13860,7 +13868,7 @@
           <a:lstStyle/>
           <a:p>
             <a:r>
-              <a:rPr lang="en-US" sz="2400" baseline="30000" dirty="0">
+              <a:rPr lang="en-US" sz="2400" baseline="30000">
                 <a:solidFill>
                   <a:srgbClr val="717073"/>
                 </a:solidFill>
@@ -13868,7 +13876,7 @@
               <a:t>Apply the power of cloud computing to your computational and data challenges. Experiment at </a:t>
             </a:r>
             <a:r>
-              <a:rPr lang="en-US" sz="2400" baseline="30000" dirty="0">
+              <a:rPr lang="en-US" sz="2400" baseline="30000">
                 <a:solidFill>
                   <a:srgbClr val="5191CD"/>
                 </a:solidFill>
@@ -14769,7 +14777,7 @@
           <a:p>
             <a:fld id="{0459C166-16D3-4A25-A2F8-C51E0E346B22}" type="datetimeFigureOut">
               <a:rPr lang="en-US" smtClean="0"/>
-              <a:t>10/10/2016</a:t>
+              <a:t>1/24/17</a:t>
             </a:fld>
             <a:endParaRPr lang="en-US"/>
           </a:p>
@@ -15133,7 +15141,7 @@
           <a:p>
             <a:fld id="{0459C166-16D3-4A25-A2F8-C51E0E346B22}" type="datetimeFigureOut">
               <a:rPr lang="en-US" smtClean="0"/>
-              <a:t>10/10/2016</a:t>
+              <a:t>1/24/17</a:t>
             </a:fld>
             <a:endParaRPr lang="en-US"/>
           </a:p>
@@ -15250,7 +15258,7 @@
           <a:p>
             <a:fld id="{0459C166-16D3-4A25-A2F8-C51E0E346B22}" type="datetimeFigureOut">
               <a:rPr lang="en-US" smtClean="0"/>
-              <a:t>10/10/2016</a:t>
+              <a:t>1/24/17</a:t>
             </a:fld>
             <a:endParaRPr lang="en-US"/>
           </a:p>
@@ -15461,7 +15469,7 @@
           <a:p>
             <a:fld id="{0459C166-16D3-4A25-A2F8-C51E0E346B22}" type="datetimeFigureOut">
               <a:rPr lang="en-US" smtClean="0"/>
-              <a:t>10/10/2016</a:t>
+              <a:t>1/24/17</a:t>
             </a:fld>
             <a:endParaRPr lang="en-US"/>
           </a:p>
@@ -15603,7 +15611,7 @@
             <a:lstStyle/>
             <a:p>
               <a:pPr algn="ctr"/>
-              <a:endParaRPr lang="en-US" dirty="0">
+              <a:endParaRPr lang="en-US">
                 <a:solidFill>
                   <a:schemeClr val="tx1"/>
                 </a:solidFill>
@@ -15656,7 +15664,7 @@
             <a:lstStyle/>
             <a:p>
               <a:pPr algn="ctr"/>
-              <a:endParaRPr lang="en-US" dirty="0">
+              <a:endParaRPr lang="en-US">
                 <a:solidFill>
                   <a:schemeClr val="tx1"/>
                 </a:solidFill>
@@ -15706,7 +15714,7 @@
             <a:lstStyle/>
             <a:p>
               <a:pPr algn="ctr"/>
-              <a:endParaRPr lang="en-US" dirty="0">
+              <a:endParaRPr lang="en-US">
                 <a:solidFill>
                   <a:schemeClr val="bg1"/>
                 </a:solidFill>
@@ -15758,7 +15766,7 @@
             <a:lstStyle/>
             <a:p>
               <a:pPr algn="ctr"/>
-              <a:endParaRPr lang="en-US" dirty="0">
+              <a:endParaRPr lang="en-US">
                 <a:solidFill>
                   <a:schemeClr val="bg1"/>
                 </a:solidFill>
@@ -15808,7 +15816,7 @@
             <a:lstStyle/>
             <a:p>
               <a:pPr algn="ctr"/>
-              <a:endParaRPr lang="en-US" dirty="0">
+              <a:endParaRPr lang="en-US">
                 <a:solidFill>
                   <a:schemeClr val="bg1"/>
                 </a:solidFill>
@@ -15860,7 +15868,7 @@
             <a:lstStyle/>
             <a:p>
               <a:pPr algn="ctr"/>
-              <a:endParaRPr lang="en-US" dirty="0">
+              <a:endParaRPr lang="en-US">
                 <a:solidFill>
                   <a:schemeClr val="bg1"/>
                 </a:solidFill>
@@ -15912,7 +15920,7 @@
             <a:lstStyle/>
             <a:p>
               <a:pPr algn="ctr"/>
-              <a:endParaRPr lang="en-US" dirty="0">
+              <a:endParaRPr lang="en-US">
                 <a:solidFill>
                   <a:schemeClr val="bg1"/>
                 </a:solidFill>
@@ -16778,12 +16786,20 @@
           <a:lstStyle/>
           <a:p>
             <a:r>
+              <a:rPr lang="en-US" dirty="0" err="1" smtClean="0">
+                <a:solidFill>
+                  <a:srgbClr val="FFFF00"/>
+                </a:solidFill>
+              </a:rPr>
+              <a:t>Abdessamad</a:t>
+            </a:r>
+            <a:r>
               <a:rPr lang="en-US" dirty="0" smtClean="0">
                 <a:solidFill>
                   <a:srgbClr val="FFFF00"/>
                 </a:solidFill>
               </a:rPr>
-              <a:t>[ Instructor Name ]</a:t>
+              <a:t> GERARD</a:t>
             </a:r>
             <a:endParaRPr lang="en-US" dirty="0">
               <a:solidFill>
@@ -16793,12 +16809,12 @@
           </a:p>
           <a:p>
             <a:r>
-              <a:rPr lang="en-US" dirty="0" smtClean="0">
+              <a:rPr lang="en-US" dirty="0" err="1" smtClean="0">
                 <a:solidFill>
                   <a:srgbClr val="FFFF00"/>
                 </a:solidFill>
               </a:rPr>
-              <a:t>[ Instructor E-mail ]</a:t>
+              <a:t>Abdessamad.gerard@gmail.com</a:t>
             </a:r>
             <a:endParaRPr lang="en-US" dirty="0">
               <a:solidFill>
@@ -16861,10 +16877,33 @@
           <a:lstStyle/>
           <a:p>
             <a:r>
+              <a:rPr lang="en-US" dirty="0" err="1"/>
+              <a:t>Régression</a:t>
+            </a:r>
+            <a:r>
+              <a:rPr lang="en-US" dirty="0"/>
+              <a:t> </a:t>
+            </a:r>
+            <a:r>
+              <a:rPr lang="en-US" dirty="0" err="1"/>
+              <a:t>linéaire</a:t>
+            </a:r>
+            <a:r>
+              <a:rPr lang="en-US" dirty="0"/>
+              <a:t> </a:t>
+            </a:r>
+            <a:r>
               <a:rPr lang="en-US" dirty="0" smtClean="0"/>
-              <a:t>Simple (Univariate) Linear Regression</a:t>
-            </a:r>
-            <a:endParaRPr lang="en-US" dirty="0"/>
+              <a:t>simple (</a:t>
+            </a:r>
+            <a:r>
+              <a:rPr lang="en-US" dirty="0" err="1" smtClean="0"/>
+              <a:t>Univariée</a:t>
+            </a:r>
+            <a:r>
+              <a:rPr lang="en-US" dirty="0"/>
+              <a:t>)</a:t>
+            </a:r>
           </a:p>
         </p:txBody>
       </p:sp>
@@ -16915,26 +16954,50 @@
           <a:lstStyle/>
           <a:p>
             <a:r>
-              <a:rPr lang="en-US" dirty="0" smtClean="0"/>
-              <a:t>Regression line represented by an equation of the form Y = b</a:t>
-            </a:r>
-            <a:r>
-              <a:rPr lang="en-US" baseline="-25000" dirty="0" smtClean="0"/>
-              <a:t>0</a:t>
-            </a:r>
-            <a:r>
-              <a:rPr lang="en-US" dirty="0" smtClean="0"/>
-              <a:t> + b</a:t>
-            </a:r>
-            <a:r>
-              <a:rPr lang="en-US" baseline="-25000" dirty="0" smtClean="0"/>
-              <a:t>1</a:t>
-            </a:r>
-            <a:r>
-              <a:rPr lang="en-US" dirty="0" smtClean="0"/>
-              <a:t>X where Y is the dependent variable</a:t>
-            </a:r>
-            <a:endParaRPr lang="en-US" dirty="0"/>
+              <a:rPr lang="fr-FR" dirty="0"/>
+              <a:t>Droite de régression représentée par une équation de </a:t>
+            </a:r>
+            <a:r>
+              <a:rPr lang="fr-FR" dirty="0" smtClean="0"/>
+              <a:t>forme</a:t>
+            </a:r>
+          </a:p>
+          <a:p>
+            <a:r>
+              <a:rPr lang="fr-FR" dirty="0" smtClean="0"/>
+              <a:t>Y </a:t>
+            </a:r>
+            <a:r>
+              <a:rPr lang="fr-FR" dirty="0"/>
+              <a:t>= </a:t>
+            </a:r>
+            <a:r>
+              <a:rPr lang="fr-FR" dirty="0" err="1" smtClean="0"/>
+              <a:t>ax</a:t>
+            </a:r>
+            <a:r>
+              <a:rPr lang="fr-FR" dirty="0" smtClean="0"/>
+              <a:t> </a:t>
+            </a:r>
+            <a:r>
+              <a:rPr lang="fr-FR" dirty="0"/>
+              <a:t>+</a:t>
+            </a:r>
+            <a:r>
+              <a:rPr lang="fr-FR" dirty="0" smtClean="0"/>
+              <a:t>b</a:t>
+            </a:r>
+            <a:endParaRPr lang="fr-FR" dirty="0"/>
+          </a:p>
+          <a:p>
+            <a:r>
+              <a:rPr lang="fr-FR" dirty="0" smtClean="0"/>
+              <a:t>où </a:t>
+            </a:r>
+            <a:r>
+              <a:rPr lang="fr-FR" dirty="0"/>
+              <a:t>Y est la variable dépendante </a:t>
+            </a:r>
           </a:p>
         </p:txBody>
       </p:sp>
@@ -16983,7 +17046,7 @@
         <p:spPr>
           <a:xfrm>
             <a:off x="9724105" y="3585834"/>
-            <a:ext cx="2182760" cy="2031325"/>
+            <a:ext cx="2182760" cy="2308324"/>
           </a:xfrm>
           <a:prstGeom prst="rect">
             <a:avLst/>
@@ -16997,10 +17060,9 @@
           <a:lstStyle/>
           <a:p>
             <a:r>
-              <a:rPr lang="en-US" dirty="0" smtClean="0"/>
-              <a:t>Error between actual and computed output minimized using least-squares or gradient-descent method</a:t>
-            </a:r>
-            <a:endParaRPr lang="en-US" dirty="0"/>
+              <a:rPr lang="fr-FR" dirty="0"/>
+              <a:t>Erreurs entre un résultat prédit et les résultats réels minimisées en utilisant la méthode des Moindre carrés ou l’algorithme du gradient</a:t>
+            </a:r>
           </a:p>
         </p:txBody>
       </p:sp>
@@ -17118,34 +17180,34 @@
           <a:p>
             <a:pPr algn="ctr"/>
             <a:r>
-              <a:rPr lang="en-US" sz="4000" dirty="0" smtClean="0">
+              <a:rPr lang="en-US" sz="4000" smtClean="0">
                 <a:latin typeface="Segoe UI Light" panose="020B0502040204020203" pitchFamily="34" charset="0"/>
                 <a:cs typeface="Segoe UI Light" panose="020B0502040204020203" pitchFamily="34" charset="0"/>
               </a:rPr>
               <a:t>http://</a:t>
             </a:r>
             <a:r>
-              <a:rPr lang="en-US" sz="4000" dirty="0" err="1" smtClean="0">
+              <a:rPr lang="en-US" sz="4000" err="1" smtClean="0">
                 <a:latin typeface="Segoe UI Light" panose="020B0502040204020203" pitchFamily="34" charset="0"/>
                 <a:cs typeface="Segoe UI Light" panose="020B0502040204020203" pitchFamily="34" charset="0"/>
               </a:rPr>
               <a:t>aka.ms</a:t>
             </a:r>
             <a:r>
-              <a:rPr lang="en-US" sz="4000" dirty="0" smtClean="0">
+              <a:rPr lang="en-US" sz="4000" smtClean="0">
                 <a:latin typeface="Segoe UI Light" panose="020B0502040204020203" pitchFamily="34" charset="0"/>
                 <a:cs typeface="Segoe UI Light" panose="020B0502040204020203" pitchFamily="34" charset="0"/>
               </a:rPr>
               <a:t>/</a:t>
             </a:r>
             <a:r>
-              <a:rPr lang="en-US" sz="4000" dirty="0" err="1" smtClean="0">
+              <a:rPr lang="en-US" sz="4000" err="1" smtClean="0">
                 <a:latin typeface="Segoe UI Light" panose="020B0502040204020203" pitchFamily="34" charset="0"/>
                 <a:cs typeface="Segoe UI Light" panose="020B0502040204020203" pitchFamily="34" charset="0"/>
               </a:rPr>
               <a:t>MLCheatSheet</a:t>
             </a:r>
-            <a:endParaRPr lang="en-US" sz="4000" dirty="0">
+            <a:endParaRPr lang="en-US" sz="4000">
               <a:latin typeface="Segoe UI Light" panose="020B0502040204020203" pitchFamily="34" charset="0"/>
               <a:cs typeface="Segoe UI Light" panose="020B0502040204020203" pitchFamily="34" charset="0"/>
             </a:endParaRPr>
@@ -17205,8 +17267,28 @@
           <a:lstStyle/>
           <a:p>
             <a:r>
+              <a:rPr lang="en-US" dirty="0" err="1" smtClean="0"/>
+              <a:t>Déployer</a:t>
+            </a:r>
+            <a:r>
               <a:rPr lang="en-US" dirty="0" smtClean="0"/>
-              <a:t>Deploying as a Web Service</a:t>
+              <a:t> </a:t>
+            </a:r>
+            <a:r>
+              <a:rPr lang="en-US" dirty="0" err="1" smtClean="0"/>
+              <a:t>en</a:t>
+            </a:r>
+            <a:r>
+              <a:rPr lang="en-US" dirty="0" smtClean="0"/>
+              <a:t> </a:t>
+            </a:r>
+            <a:r>
+              <a:rPr lang="en-US" dirty="0" err="1" smtClean="0"/>
+              <a:t>tant</a:t>
+            </a:r>
+            <a:r>
+              <a:rPr lang="en-US" dirty="0" smtClean="0"/>
+              <a:t> que Web Service</a:t>
             </a:r>
             <a:endParaRPr lang="en-US" dirty="0"/>
           </a:p>
@@ -17228,10 +17310,17 @@
           <a:lstStyle/>
           <a:p>
             <a:r>
-              <a:rPr lang="en-US" dirty="0" smtClean="0"/>
-              <a:t>A button click in ML Studio deploys a model as a Web service and provides sample code for calling it in three languages</a:t>
-            </a:r>
-            <a:endParaRPr lang="en-US" dirty="0"/>
+              <a:rPr lang="fr-FR" dirty="0"/>
+              <a:t>Un simple clic dans ML Studio permet de déployer votre Modèle en tant que </a:t>
+            </a:r>
+            <a:r>
+              <a:rPr lang="fr-FR" dirty="0" err="1"/>
+              <a:t>WebService</a:t>
+            </a:r>
+            <a:r>
+              <a:rPr lang="fr-FR" dirty="0"/>
+              <a:t> et fournit des exemples de code pour l’appeler dans 3 langages.</a:t>
+            </a:r>
           </a:p>
         </p:txBody>
       </p:sp>
@@ -17251,7 +17340,7 @@
         </p:blipFill>
         <p:spPr>
           <a:xfrm>
-            <a:off x="2992998" y="2991099"/>
+            <a:off x="2992998" y="3119887"/>
             <a:ext cx="6206003" cy="3320801"/>
           </a:xfrm>
           <a:prstGeom prst="rect">
@@ -17327,14 +17416,14 @@
           <a:lstStyle/>
           <a:p>
             <a:r>
-              <a:rPr lang="en-US" dirty="0" smtClean="0">
+              <a:rPr lang="en-US" smtClean="0">
                 <a:solidFill>
                   <a:schemeClr val="bg1"/>
                 </a:solidFill>
               </a:rPr>
               <a:t>Free e-Book</a:t>
             </a:r>
-            <a:endParaRPr lang="en-US" dirty="0">
+            <a:endParaRPr lang="en-US">
               <a:solidFill>
                 <a:schemeClr val="bg1"/>
               </a:solidFill>
@@ -17438,7 +17527,7 @@
                 <a:spcPct val="0"/>
               </a:spcAft>
             </a:pPr>
-            <a:endParaRPr lang="en-US" sz="2200" dirty="0" smtClean="0">
+            <a:endParaRPr lang="en-US" sz="2200" smtClean="0">
               <a:gradFill>
                 <a:gsLst>
                   <a:gs pos="0">
@@ -17486,7 +17575,7 @@
               <a:buSzPct val="80000"/>
             </a:pPr>
             <a:r>
-              <a:rPr lang="en-US" sz="4400" dirty="0">
+              <a:rPr lang="en-US" sz="4400">
                 <a:solidFill>
                   <a:srgbClr val="FFFFFF"/>
                 </a:solidFill>
@@ -17494,14 +17583,14 @@
               <a:t>http://</a:t>
             </a:r>
             <a:r>
-              <a:rPr lang="en-US" sz="4400" dirty="0" smtClean="0">
+              <a:rPr lang="en-US" sz="4400" smtClean="0">
                 <a:solidFill>
                   <a:srgbClr val="FFFFFF"/>
                 </a:solidFill>
               </a:rPr>
               <a:t>bit.ly/a4r-mlbook</a:t>
             </a:r>
-            <a:endParaRPr lang="en-US" sz="4400" dirty="0">
+            <a:endParaRPr lang="en-US" sz="4400">
               <a:solidFill>
                 <a:srgbClr val="FFFFFF"/>
               </a:solidFill>
@@ -17565,10 +17654,10 @@
           <a:lstStyle/>
           <a:p>
             <a:r>
-              <a:rPr lang="en-US" dirty="0" smtClean="0"/>
+              <a:rPr lang="en-US" smtClean="0"/>
               <a:t>Hands-On Lab</a:t>
             </a:r>
-            <a:endParaRPr lang="en-US" dirty="0"/>
+            <a:endParaRPr lang="en-US"/>
           </a:p>
         </p:txBody>
       </p:sp>
@@ -17588,10 +17677,10 @@
           <a:lstStyle/>
           <a:p>
             <a:r>
-              <a:rPr lang="en-US" dirty="0" smtClean="0"/>
+              <a:rPr lang="en-US" smtClean="0"/>
               <a:t>Azure Machine Learning HOL.html</a:t>
             </a:r>
-            <a:endParaRPr lang="en-US" dirty="0"/>
+            <a:endParaRPr lang="en-US"/>
           </a:p>
         </p:txBody>
       </p:sp>
@@ -17711,10 +17800,22 @@
           <a:lstStyle/>
           <a:p>
             <a:r>
-              <a:rPr lang="en-US" dirty="0" smtClean="0"/>
-              <a:t>What is Machine Learning?</a:t>
-            </a:r>
-            <a:endParaRPr lang="en-US" dirty="0"/>
+              <a:rPr lang="en-US" dirty="0" err="1" smtClean="0"/>
+              <a:t>Qu’est</a:t>
+            </a:r>
+            <a:r>
+              <a:rPr lang="en-US" smtClean="0"/>
+              <a:t> </a:t>
+            </a:r>
+            <a:r>
+              <a:rPr lang="en-US" err="1" smtClean="0"/>
+              <a:t>ce</a:t>
+            </a:r>
+            <a:r>
+              <a:rPr lang="en-US" smtClean="0"/>
+              <a:t> que le Machine Learning ?</a:t>
+            </a:r>
+            <a:endParaRPr lang="en-US"/>
           </a:p>
         </p:txBody>
       </p:sp>
@@ -17736,85 +17837,159 @@
         </p:spPr>
         <p:txBody>
           <a:bodyPr>
-            <a:normAutofit/>
+            <a:normAutofit lnSpcReduction="10000"/>
           </a:bodyPr>
           <a:lstStyle/>
           <a:p>
             <a:r>
-              <a:rPr lang="en-US" dirty="0"/>
-              <a:t>Branch of computer science in which a computer "learns" from data in order to perform predictive </a:t>
-            </a:r>
-            <a:r>
-              <a:rPr lang="en-US" dirty="0" smtClean="0"/>
-              <a:t>analytics</a:t>
-            </a:r>
-            <a:endParaRPr lang="en-US" dirty="0"/>
+              <a:rPr lang="en-US" err="1" smtClean="0"/>
+              <a:t>Branche</a:t>
+            </a:r>
+            <a:r>
+              <a:rPr lang="en-US" smtClean="0"/>
+              <a:t> de </a:t>
+            </a:r>
+            <a:r>
+              <a:rPr lang="en-US" err="1" smtClean="0"/>
+              <a:t>l’informatique</a:t>
+            </a:r>
+            <a:r>
+              <a:rPr lang="en-US" smtClean="0"/>
+              <a:t> </a:t>
+            </a:r>
+            <a:r>
+              <a:rPr lang="en-US" err="1" smtClean="0"/>
+              <a:t>dans</a:t>
+            </a:r>
+            <a:r>
+              <a:rPr lang="en-US" smtClean="0"/>
+              <a:t> </a:t>
+            </a:r>
+            <a:r>
+              <a:rPr lang="en-US" err="1" smtClean="0"/>
+              <a:t>laquelle</a:t>
+            </a:r>
+            <a:r>
+              <a:rPr lang="en-US" smtClean="0"/>
+              <a:t> un </a:t>
+            </a:r>
+            <a:r>
+              <a:rPr lang="en-US" err="1" smtClean="0"/>
+              <a:t>odirnateur</a:t>
+            </a:r>
+            <a:r>
+              <a:rPr lang="en-US" smtClean="0"/>
+              <a:t> ”</a:t>
+            </a:r>
+            <a:r>
+              <a:rPr lang="en-US" err="1" smtClean="0"/>
+              <a:t>apprend</a:t>
+            </a:r>
+            <a:r>
+              <a:rPr lang="en-US" smtClean="0"/>
+              <a:t>" gr</a:t>
+            </a:r>
+            <a:r>
+              <a:rPr lang="fr-FR" err="1" smtClean="0"/>
+              <a:t>âce</a:t>
+            </a:r>
+            <a:r>
+              <a:rPr lang="fr-FR" smtClean="0"/>
+              <a:t> aux données pour créer des analyses prédictives</a:t>
+            </a:r>
+            <a:endParaRPr lang="en-US" smtClean="0"/>
           </a:p>
           <a:p>
             <a:pPr lvl="1"/>
             <a:r>
-              <a:rPr lang="en-US" dirty="0"/>
-              <a:t>Credit-card fraud </a:t>
-            </a:r>
-            <a:r>
-              <a:rPr lang="en-US" dirty="0" smtClean="0"/>
-              <a:t>detection</a:t>
-            </a:r>
-            <a:endParaRPr lang="en-US" dirty="0"/>
+              <a:rPr lang="en-US" smtClean="0"/>
+              <a:t>Detection des </a:t>
+            </a:r>
+            <a:r>
+              <a:rPr lang="en-US" err="1" smtClean="0"/>
+              <a:t>fraudes</a:t>
+            </a:r>
+            <a:r>
+              <a:rPr lang="en-US" smtClean="0"/>
+              <a:t> </a:t>
+            </a:r>
           </a:p>
           <a:p>
             <a:pPr lvl="1"/>
             <a:r>
-              <a:rPr lang="en-US" dirty="0"/>
-              <a:t>Online shopping </a:t>
-            </a:r>
-            <a:r>
-              <a:rPr lang="en-US" dirty="0" smtClean="0"/>
-              <a:t>recommendations</a:t>
-            </a:r>
-            <a:endParaRPr lang="en-US" dirty="0"/>
+              <a:rPr lang="en-US" smtClean="0"/>
+              <a:t>Recommendations e-commerce</a:t>
+            </a:r>
+            <a:endParaRPr lang="en-US"/>
           </a:p>
           <a:p>
             <a:pPr lvl="1"/>
             <a:r>
-              <a:rPr lang="en-US" dirty="0"/>
-              <a:t>Self-driving </a:t>
-            </a:r>
-            <a:r>
-              <a:rPr lang="en-US" dirty="0" smtClean="0"/>
-              <a:t>cars and more</a:t>
-            </a:r>
-            <a:endParaRPr lang="en-US" dirty="0"/>
-          </a:p>
-          <a:p>
-            <a:r>
-              <a:rPr lang="en-US" dirty="0" smtClean="0"/>
-              <a:t>Supervised learning</a:t>
-            </a:r>
+              <a:rPr lang="en-US" err="1" smtClean="0"/>
+              <a:t>Voitures</a:t>
+            </a:r>
+            <a:r>
+              <a:rPr lang="en-US" smtClean="0"/>
+              <a:t> </a:t>
+            </a:r>
+            <a:r>
+              <a:rPr lang="en-US" err="1" smtClean="0"/>
+              <a:t>autonomes</a:t>
+            </a:r>
+            <a:r>
+              <a:rPr lang="en-US" smtClean="0"/>
+              <a:t> et plus encore</a:t>
+            </a:r>
+            <a:endParaRPr lang="en-US"/>
+          </a:p>
+          <a:p>
+            <a:r>
+              <a:rPr lang="en-US" err="1" smtClean="0"/>
+              <a:t>Apprentissage</a:t>
+            </a:r>
+            <a:r>
+              <a:rPr lang="en-US" smtClean="0"/>
+              <a:t> </a:t>
+            </a:r>
+            <a:r>
+              <a:rPr lang="en-US" err="1" smtClean="0"/>
+              <a:t>supervisé</a:t>
+            </a:r>
+            <a:endParaRPr lang="en-US" smtClean="0"/>
           </a:p>
           <a:p>
             <a:pPr lvl="1"/>
             <a:r>
-              <a:rPr lang="en-US" dirty="0" smtClean="0"/>
-              <a:t>Regression and classification</a:t>
-            </a:r>
-          </a:p>
-          <a:p>
-            <a:r>
-              <a:rPr lang="en-US" dirty="0" smtClean="0"/>
-              <a:t>Unsupervised learning</a:t>
-            </a:r>
+              <a:rPr lang="en-US" smtClean="0"/>
+              <a:t>Regression et classification</a:t>
+            </a:r>
+            <a:endParaRPr lang="en-US"/>
+          </a:p>
+          <a:p>
+            <a:r>
+              <a:rPr lang="en-US" err="1" smtClean="0"/>
+              <a:t>Apprentissage</a:t>
+            </a:r>
+            <a:r>
+              <a:rPr lang="en-US" smtClean="0"/>
+              <a:t> non-</a:t>
+            </a:r>
+            <a:r>
+              <a:rPr lang="en-US" err="1" smtClean="0"/>
+              <a:t>supervisé</a:t>
+            </a:r>
+            <a:endParaRPr lang="en-US" smtClean="0"/>
           </a:p>
           <a:p>
             <a:pPr lvl="1"/>
             <a:r>
-              <a:rPr lang="en-US" dirty="0" smtClean="0"/>
+              <a:rPr lang="en-US" smtClean="0"/>
               <a:t>Clustering</a:t>
             </a:r>
-            <a:endParaRPr lang="en-US" dirty="0"/>
-          </a:p>
-          <a:p>
-            <a:endParaRPr lang="en-US" dirty="0"/>
+            <a:endParaRPr lang="en-US"/>
+          </a:p>
+          <a:p>
+            <a:endParaRPr lang="en-US"/>
           </a:p>
         </p:txBody>
       </p:sp>
@@ -17871,10 +18046,18 @@
           <a:lstStyle/>
           <a:p>
             <a:r>
-              <a:rPr lang="en-US" dirty="0" smtClean="0"/>
-              <a:t>Machine Learning in Action</a:t>
-            </a:r>
-            <a:endParaRPr lang="en-US" dirty="0"/>
+              <a:rPr lang="en-US" smtClean="0"/>
+              <a:t>Machine Learning </a:t>
+            </a:r>
+            <a:r>
+              <a:rPr lang="en-US" err="1" smtClean="0"/>
+              <a:t>en</a:t>
+            </a:r>
+            <a:r>
+              <a:rPr lang="en-US" smtClean="0"/>
+              <a:t> action</a:t>
+            </a:r>
+            <a:endParaRPr lang="en-US"/>
           </a:p>
         </p:txBody>
       </p:sp>
@@ -17965,10 +18148,10 @@
           <a:lstStyle/>
           <a:p>
             <a:r>
-              <a:rPr lang="en-US" dirty="0" smtClean="0"/>
-              <a:t>Microsoft and Machine Learning</a:t>
-            </a:r>
-            <a:endParaRPr lang="en-US" dirty="0"/>
+              <a:rPr lang="en-US" smtClean="0"/>
+              <a:t>Microsoft et le Machine Learning</a:t>
+            </a:r>
+            <a:endParaRPr lang="en-US"/>
           </a:p>
         </p:txBody>
       </p:sp>
@@ -18259,7 +18442,7 @@
               <a:buSzPct val="80000"/>
             </a:pPr>
             <a:r>
-              <a:rPr lang="en-US" sz="1400" dirty="0" smtClean="0">
+              <a:rPr lang="en-US" sz="1400" smtClean="0">
                 <a:gradFill>
                   <a:gsLst>
                     <a:gs pos="0">
@@ -18281,7 +18464,7 @@
               <a:t>Modified from http://</a:t>
             </a:r>
             <a:r>
-              <a:rPr lang="en-US" sz="1400" dirty="0" err="1" smtClean="0">
+              <a:rPr lang="en-US" sz="1400" err="1" smtClean="0">
                 <a:gradFill>
                   <a:gsLst>
                     <a:gs pos="0">
@@ -18303,7 +18486,7 @@
               <a:t>pulsweb.fr</a:t>
             </a:r>
             <a:r>
-              <a:rPr lang="en-US" sz="1400" dirty="0" smtClean="0">
+              <a:rPr lang="en-US" sz="1400" smtClean="0">
                 <a:gradFill>
                   <a:gsLst>
                     <a:gs pos="0">
@@ -18325,7 +18508,7 @@
               <a:t>/predict-wine-quality-</a:t>
             </a:r>
             <a:r>
-              <a:rPr lang="en-US" sz="1400" dirty="0" err="1" smtClean="0">
+              <a:rPr lang="en-US" sz="1400" err="1" smtClean="0">
                 <a:gradFill>
                   <a:gsLst>
                     <a:gs pos="0">
@@ -18346,7 +18529,7 @@
               </a:rPr>
               <a:t>azureml</a:t>
             </a:r>
-            <a:endParaRPr lang="en-US" sz="1400" dirty="0">
+            <a:endParaRPr lang="en-US" sz="1400">
               <a:gradFill>
                 <a:gsLst>
                   <a:gs pos="0">
@@ -18450,9 +18633,68 @@
           <a:p>
             <a:r>
               <a:rPr lang="en-US" dirty="0" smtClean="0"/>
-              <a:t>Fully managed cloud service for building and operationalizing ML models</a:t>
-            </a:r>
-            <a:endParaRPr lang="en-US" dirty="0"/>
+              <a:t>Service </a:t>
+            </a:r>
+            <a:r>
+              <a:rPr lang="en-US" dirty="0" err="1" smtClean="0"/>
+              <a:t>complètement</a:t>
+            </a:r>
+            <a:r>
+              <a:rPr lang="en-US" dirty="0" smtClean="0"/>
+              <a:t> </a:t>
+            </a:r>
+            <a:r>
+              <a:rPr lang="en-US" dirty="0" err="1" smtClean="0"/>
+              <a:t>geré</a:t>
+            </a:r>
+            <a:r>
+              <a:rPr lang="en-US" dirty="0" smtClean="0"/>
+              <a:t> </a:t>
+            </a:r>
+            <a:r>
+              <a:rPr lang="en-US" dirty="0" err="1" smtClean="0"/>
+              <a:t>dans</a:t>
+            </a:r>
+            <a:r>
+              <a:rPr lang="en-US" dirty="0" smtClean="0"/>
+              <a:t> </a:t>
+            </a:r>
+            <a:r>
+              <a:rPr lang="en-US" dirty="0"/>
+              <a:t>le cloud pour </a:t>
+            </a:r>
+            <a:r>
+              <a:rPr lang="en-US" dirty="0" err="1"/>
+              <a:t>créer</a:t>
+            </a:r>
+            <a:r>
+              <a:rPr lang="en-US" dirty="0"/>
+              <a:t> et </a:t>
+            </a:r>
+            <a:r>
+              <a:rPr lang="en-US" dirty="0" err="1" smtClean="0"/>
+              <a:t>améliorer</a:t>
+            </a:r>
+            <a:r>
+              <a:rPr lang="en-US" dirty="0" smtClean="0"/>
+              <a:t> </a:t>
+            </a:r>
+            <a:r>
+              <a:rPr lang="en-US" dirty="0" err="1" smtClean="0"/>
+              <a:t>vos</a:t>
+            </a:r>
+            <a:r>
+              <a:rPr lang="en-US" dirty="0" smtClean="0"/>
+              <a:t> </a:t>
+            </a:r>
+            <a:r>
+              <a:rPr lang="en-US" dirty="0" err="1" smtClean="0"/>
+              <a:t>modèles</a:t>
+            </a:r>
+            <a:r>
+              <a:rPr lang="en-US" dirty="0" smtClean="0"/>
+              <a:t> ML</a:t>
+            </a:r>
           </a:p>
         </p:txBody>
       </p:sp>
@@ -18536,7 +18778,7 @@
               </a:spcAft>
             </a:pPr>
             <a:r>
-              <a:rPr lang="en-US" sz="3137" kern="0" dirty="0">
+              <a:rPr lang="en-US" sz="3137" kern="0" dirty="0" err="1" smtClean="0">
                 <a:solidFill>
                   <a:srgbClr val="FFFFFF"/>
                 </a:solidFill>
@@ -18544,10 +18786,10 @@
                 <a:ea typeface="Segoe UI" pitchFamily="34" charset="0"/>
                 <a:cs typeface="Segoe UI" pitchFamily="34" charset="0"/>
               </a:rPr>
-              <a:t>Fully </a:t>
-            </a:r>
-            <a:br>
-              <a:rPr lang="en-US" sz="3137" kern="0" dirty="0">
+              <a:t>Gestion</a:t>
+            </a:r>
+            <a:r>
+              <a:rPr lang="en-US" sz="3137" kern="0" dirty="0" smtClean="0">
                 <a:solidFill>
                   <a:srgbClr val="FFFFFF"/>
                 </a:solidFill>
@@ -18555,9 +18797,10 @@
                 <a:ea typeface="Segoe UI" pitchFamily="34" charset="0"/>
                 <a:cs typeface="Segoe UI" pitchFamily="34" charset="0"/>
               </a:rPr>
-            </a:br>
-            <a:r>
-              <a:rPr lang="en-US" sz="3137" kern="0" dirty="0">
+              <a:t> </a:t>
+            </a:r>
+            <a:r>
+              <a:rPr lang="en-US" sz="3137" kern="0" dirty="0" err="1" smtClean="0">
                 <a:solidFill>
                   <a:srgbClr val="FFFFFF"/>
                 </a:solidFill>
@@ -18565,8 +18808,16 @@
                 <a:ea typeface="Segoe UI" pitchFamily="34" charset="0"/>
                 <a:cs typeface="Segoe UI" pitchFamily="34" charset="0"/>
               </a:rPr>
-              <a:t>managed</a:t>
-            </a:r>
+              <a:t>simplifiée</a:t>
+            </a:r>
+            <a:endParaRPr lang="en-US" sz="3137" kern="0" dirty="0">
+              <a:solidFill>
+                <a:srgbClr val="FFFFFF"/>
+              </a:solidFill>
+              <a:latin typeface="Segoe UI Light"/>
+              <a:ea typeface="Segoe UI" pitchFamily="34" charset="0"/>
+              <a:cs typeface="Segoe UI" pitchFamily="34" charset="0"/>
+            </a:endParaRPr>
           </a:p>
           <a:p>
             <a:pPr defTabSz="914102" fontAlgn="base">
@@ -18660,7 +18911,7 @@
               </a:spcAft>
             </a:pPr>
             <a:r>
-              <a:rPr lang="en-US" sz="3137" kern="0" dirty="0">
+              <a:rPr lang="en-US" sz="3137" kern="0" smtClean="0">
                 <a:solidFill>
                   <a:srgbClr val="FFFFFF"/>
                 </a:solidFill>
@@ -18668,8 +18919,27 @@
                 <a:ea typeface="Segoe UI" pitchFamily="34" charset="0"/>
                 <a:cs typeface="Segoe UI" pitchFamily="34" charset="0"/>
               </a:rPr>
-              <a:t>Integrated</a:t>
-            </a:r>
+              <a:t>Integration </a:t>
+            </a:r>
+            <a:r>
+              <a:rPr lang="en-US" sz="3137" kern="0" err="1" smtClean="0">
+                <a:solidFill>
+                  <a:srgbClr val="FFFFFF"/>
+                </a:solidFill>
+                <a:latin typeface="Segoe UI Light"/>
+                <a:ea typeface="Segoe UI" pitchFamily="34" charset="0"/>
+                <a:cs typeface="Segoe UI" pitchFamily="34" charset="0"/>
+              </a:rPr>
+              <a:t>facilitée</a:t>
+            </a:r>
+            <a:endParaRPr lang="en-US" sz="3137" kern="0">
+              <a:solidFill>
+                <a:srgbClr val="FFFFFF"/>
+              </a:solidFill>
+              <a:latin typeface="Segoe UI Light"/>
+              <a:ea typeface="Segoe UI" pitchFamily="34" charset="0"/>
+              <a:cs typeface="Segoe UI" pitchFamily="34" charset="0"/>
+            </a:endParaRPr>
           </a:p>
         </p:txBody>
       </p:sp>
@@ -18729,7 +18999,7 @@
               </a:spcAft>
             </a:pPr>
             <a:r>
-              <a:rPr lang="en-US" sz="3039" kern="0" dirty="0">
+              <a:rPr lang="en-US" sz="3039" kern="0" dirty="0" smtClean="0">
                 <a:solidFill>
                   <a:srgbClr val="FFFFFF"/>
                 </a:solidFill>
@@ -18737,7 +19007,95 @@
                 <a:ea typeface="Segoe UI" pitchFamily="34" charset="0"/>
                 <a:cs typeface="Segoe UI" pitchFamily="34" charset="0"/>
               </a:rPr>
-              <a:t>Best in Class Algorithms + R</a:t>
+              <a:t>Le </a:t>
+            </a:r>
+            <a:r>
+              <a:rPr lang="en-US" sz="3039" kern="0" dirty="0" err="1" smtClean="0">
+                <a:solidFill>
+                  <a:srgbClr val="FFFFFF"/>
+                </a:solidFill>
+                <a:latin typeface="Segoe UI Light"/>
+                <a:ea typeface="Segoe UI" pitchFamily="34" charset="0"/>
+                <a:cs typeface="Segoe UI" pitchFamily="34" charset="0"/>
+              </a:rPr>
+              <a:t>meilleur</a:t>
+            </a:r>
+            <a:r>
+              <a:rPr lang="en-US" sz="3039" kern="0" dirty="0" smtClean="0">
+                <a:solidFill>
+                  <a:srgbClr val="FFFFFF"/>
+                </a:solidFill>
+                <a:latin typeface="Segoe UI Light"/>
+                <a:ea typeface="Segoe UI" pitchFamily="34" charset="0"/>
+                <a:cs typeface="Segoe UI" pitchFamily="34" charset="0"/>
+              </a:rPr>
+              <a:t> </a:t>
+            </a:r>
+            <a:r>
+              <a:rPr lang="en-US" sz="3039" kern="0" dirty="0" err="1" smtClean="0">
+                <a:solidFill>
+                  <a:srgbClr val="FFFFFF"/>
+                </a:solidFill>
+                <a:latin typeface="Segoe UI Light"/>
+                <a:ea typeface="Segoe UI" pitchFamily="34" charset="0"/>
+                <a:cs typeface="Segoe UI" pitchFamily="34" charset="0"/>
+              </a:rPr>
+              <a:t>en</a:t>
+            </a:r>
+            <a:r>
+              <a:rPr lang="en-US" sz="3039" kern="0" dirty="0" smtClean="0">
+                <a:solidFill>
+                  <a:srgbClr val="FFFFFF"/>
+                </a:solidFill>
+                <a:latin typeface="Segoe UI Light"/>
+                <a:ea typeface="Segoe UI" pitchFamily="34" charset="0"/>
+                <a:cs typeface="Segoe UI" pitchFamily="34" charset="0"/>
+              </a:rPr>
+              <a:t> </a:t>
+            </a:r>
+            <a:r>
+              <a:rPr lang="en-US" sz="3039" kern="0" dirty="0" err="1" smtClean="0">
+                <a:solidFill>
+                  <a:srgbClr val="FFFFFF"/>
+                </a:solidFill>
+                <a:latin typeface="Segoe UI Light"/>
+                <a:ea typeface="Segoe UI" pitchFamily="34" charset="0"/>
+                <a:cs typeface="Segoe UI" pitchFamily="34" charset="0"/>
+              </a:rPr>
+              <a:t>ClassAlgorithms</a:t>
+            </a:r>
+            <a:r>
+              <a:rPr lang="en-US" sz="3039" kern="0" dirty="0" smtClean="0">
+                <a:solidFill>
+                  <a:srgbClr val="FFFFFF"/>
+                </a:solidFill>
+                <a:latin typeface="Segoe UI Light"/>
+                <a:ea typeface="Segoe UI" pitchFamily="34" charset="0"/>
+                <a:cs typeface="Segoe UI" pitchFamily="34" charset="0"/>
+              </a:rPr>
+              <a:t> </a:t>
+            </a:r>
+            <a:r>
+              <a:rPr lang="en-US" sz="3039" kern="0" dirty="0">
+                <a:solidFill>
+                  <a:srgbClr val="FFFFFF"/>
+                </a:solidFill>
+                <a:latin typeface="Segoe UI Light"/>
+                <a:ea typeface="Segoe UI" pitchFamily="34" charset="0"/>
+                <a:cs typeface="Segoe UI" pitchFamily="34" charset="0"/>
+              </a:rPr>
+              <a:t>+ </a:t>
+            </a:r>
+            <a:r>
+              <a:rPr lang="en-US" sz="3039" kern="0" dirty="0" smtClean="0">
+                <a:solidFill>
+                  <a:srgbClr val="FFFFFF"/>
+                </a:solidFill>
+                <a:latin typeface="Segoe UI Light"/>
+                <a:ea typeface="Segoe UI" pitchFamily="34" charset="0"/>
+                <a:cs typeface="Segoe UI" pitchFamily="34" charset="0"/>
+              </a:rPr>
+              <a:t>R</a:t>
             </a:r>
           </a:p>
         </p:txBody>
@@ -18798,7 +19156,7 @@
               </a:spcAft>
             </a:pPr>
             <a:r>
-              <a:rPr lang="en-US" sz="3137" kern="0" dirty="0">
+              <a:rPr lang="en-US" sz="3137" kern="0" dirty="0" err="1" smtClean="0">
                 <a:solidFill>
                   <a:srgbClr val="FFFFFF"/>
                 </a:solidFill>
@@ -18806,8 +19164,82 @@
                 <a:ea typeface="Segoe UI" pitchFamily="34" charset="0"/>
                 <a:cs typeface="Segoe UI" pitchFamily="34" charset="0"/>
               </a:rPr>
-              <a:t>Deploy in minutes</a:t>
-            </a:r>
+              <a:t>Deployé</a:t>
+            </a:r>
+            <a:r>
+              <a:rPr lang="en-US" sz="3137" kern="0" dirty="0" smtClean="0">
+                <a:solidFill>
+                  <a:srgbClr val="FFFFFF"/>
+                </a:solidFill>
+                <a:latin typeface="Segoe UI Light"/>
+                <a:ea typeface="Segoe UI" pitchFamily="34" charset="0"/>
+                <a:cs typeface="Segoe UI" pitchFamily="34" charset="0"/>
+              </a:rPr>
+              <a:t> </a:t>
+            </a:r>
+            <a:r>
+              <a:rPr lang="en-US" sz="3137" kern="0" dirty="0" err="1" smtClean="0">
+                <a:solidFill>
+                  <a:srgbClr val="FFFFFF"/>
+                </a:solidFill>
+                <a:latin typeface="Segoe UI Light"/>
+                <a:ea typeface="Segoe UI" pitchFamily="34" charset="0"/>
+                <a:cs typeface="Segoe UI" pitchFamily="34" charset="0"/>
+              </a:rPr>
+              <a:t>en</a:t>
+            </a:r>
+            <a:r>
+              <a:rPr lang="en-US" sz="3137" kern="0" dirty="0" smtClean="0">
+                <a:solidFill>
+                  <a:srgbClr val="FFFFFF"/>
+                </a:solidFill>
+                <a:latin typeface="Segoe UI Light"/>
+                <a:ea typeface="Segoe UI" pitchFamily="34" charset="0"/>
+                <a:cs typeface="Segoe UI" pitchFamily="34" charset="0"/>
+              </a:rPr>
+              <a:t> un </a:t>
+            </a:r>
+            <a:r>
+              <a:rPr lang="en-US" sz="3137" kern="0" dirty="0" err="1" smtClean="0">
+                <a:solidFill>
+                  <a:srgbClr val="FFFFFF"/>
+                </a:solidFill>
+                <a:latin typeface="Segoe UI Light"/>
+                <a:ea typeface="Segoe UI" pitchFamily="34" charset="0"/>
+                <a:cs typeface="Segoe UI" pitchFamily="34" charset="0"/>
+              </a:rPr>
+              <a:t>clin</a:t>
+            </a:r>
+            <a:r>
+              <a:rPr lang="en-US" sz="3137" kern="0" dirty="0" smtClean="0">
+                <a:solidFill>
+                  <a:srgbClr val="FFFFFF"/>
+                </a:solidFill>
+                <a:latin typeface="Segoe UI Light"/>
+                <a:ea typeface="Segoe UI" pitchFamily="34" charset="0"/>
+                <a:cs typeface="Segoe UI" pitchFamily="34" charset="0"/>
+              </a:rPr>
+              <a:t> </a:t>
+            </a:r>
+            <a:r>
+              <a:rPr lang="en-US" sz="3137" kern="0" dirty="0" err="1" smtClean="0">
+                <a:solidFill>
+                  <a:srgbClr val="FFFFFF"/>
+                </a:solidFill>
+                <a:latin typeface="Segoe UI Light"/>
+                <a:ea typeface="Segoe UI" pitchFamily="34" charset="0"/>
+                <a:cs typeface="Segoe UI" pitchFamily="34" charset="0"/>
+              </a:rPr>
+              <a:t>d’oeil</a:t>
+            </a:r>
+            <a:endParaRPr lang="en-US" sz="3137" kern="0" dirty="0">
+              <a:solidFill>
+                <a:srgbClr val="FFFFFF"/>
+              </a:solidFill>
+              <a:latin typeface="Segoe UI Light"/>
+              <a:ea typeface="Segoe UI" pitchFamily="34" charset="0"/>
+              <a:cs typeface="Segoe UI" pitchFamily="34" charset="0"/>
+            </a:endParaRPr>
           </a:p>
         </p:txBody>
       </p:sp>
@@ -18819,8 +19251,8 @@
         </p:nvSpPr>
         <p:spPr>
           <a:xfrm>
-            <a:off x="478896" y="4442088"/>
-            <a:ext cx="2607782" cy="1176733"/>
+            <a:off x="455120" y="4519463"/>
+            <a:ext cx="2607782" cy="1450397"/>
           </a:xfrm>
           <a:prstGeom prst="rect">
             <a:avLst/>
@@ -18841,35 +19273,222 @@
               </a:spcAft>
             </a:pPr>
             <a:r>
-              <a:rPr lang="en-US" sz="1765" kern="0" dirty="0">
+              <a:rPr lang="en-US" sz="1765" kern="0" dirty="0" smtClean="0">
                 <a:solidFill>
                   <a:srgbClr val="FFFFFF"/>
                 </a:solidFill>
                 <a:ea typeface="Segoe UI" pitchFamily="34" charset="0"/>
                 <a:cs typeface="Segoe UI" pitchFamily="34" charset="0"/>
               </a:rPr>
-              <a:t>No software to install, no hardware </a:t>
-            </a:r>
-            <a:r>
-              <a:rPr lang="en-US" sz="1765" kern="0" spc="-98" dirty="0">
+              <a:t>Pas de </a:t>
+            </a:r>
+            <a:r>
+              <a:rPr lang="en-US" sz="1765" kern="0" dirty="0" err="1" smtClean="0">
                 <a:solidFill>
                   <a:srgbClr val="FFFFFF"/>
                 </a:solidFill>
                 <a:ea typeface="Segoe UI" pitchFamily="34" charset="0"/>
                 <a:cs typeface="Segoe UI" pitchFamily="34" charset="0"/>
               </a:rPr>
-              <a:t>to manage,</a:t>
-            </a:r>
-            <a:r>
-              <a:rPr lang="en-US" sz="1765" kern="0" dirty="0">
+              <a:t>logiciel</a:t>
+            </a:r>
+            <a:r>
+              <a:rPr lang="en-US" sz="1765" kern="0" dirty="0" smtClean="0">
                 <a:solidFill>
                   <a:srgbClr val="FFFFFF"/>
                 </a:solidFill>
                 <a:ea typeface="Segoe UI" pitchFamily="34" charset="0"/>
                 <a:cs typeface="Segoe UI" pitchFamily="34" charset="0"/>
               </a:rPr>
-              <a:t> and one portal to view and update.</a:t>
-            </a:r>
+              <a:t> </a:t>
+            </a:r>
+            <a:r>
+              <a:rPr lang="en-US" sz="1765" kern="0" dirty="0" err="1" smtClean="0">
+                <a:solidFill>
+                  <a:srgbClr val="FFFFFF"/>
+                </a:solidFill>
+                <a:ea typeface="Segoe UI" pitchFamily="34" charset="0"/>
+                <a:cs typeface="Segoe UI" pitchFamily="34" charset="0"/>
+              </a:rPr>
+              <a:t>à</a:t>
+            </a:r>
+            <a:r>
+              <a:rPr lang="en-US" sz="1765" kern="0" dirty="0" smtClean="0">
+                <a:solidFill>
+                  <a:srgbClr val="FFFFFF"/>
+                </a:solidFill>
+                <a:ea typeface="Segoe UI" pitchFamily="34" charset="0"/>
+                <a:cs typeface="Segoe UI" pitchFamily="34" charset="0"/>
+              </a:rPr>
+              <a:t> installer, pas de hardware </a:t>
+            </a:r>
+            <a:r>
+              <a:rPr lang="en-US" sz="1765" kern="0" dirty="0" err="1" smtClean="0">
+                <a:solidFill>
+                  <a:srgbClr val="FFFFFF"/>
+                </a:solidFill>
+                <a:ea typeface="Segoe UI" pitchFamily="34" charset="0"/>
+                <a:cs typeface="Segoe UI" pitchFamily="34" charset="0"/>
+              </a:rPr>
+              <a:t>à</a:t>
+            </a:r>
+            <a:r>
+              <a:rPr lang="en-US" sz="1765" kern="0" dirty="0" smtClean="0">
+                <a:solidFill>
+                  <a:srgbClr val="FFFFFF"/>
+                </a:solidFill>
+                <a:ea typeface="Segoe UI" pitchFamily="34" charset="0"/>
+                <a:cs typeface="Segoe UI" pitchFamily="34" charset="0"/>
+              </a:rPr>
+              <a:t> </a:t>
+            </a:r>
+            <a:r>
+              <a:rPr lang="en-US" sz="1765" kern="0" dirty="0" err="1" smtClean="0">
+                <a:solidFill>
+                  <a:srgbClr val="FFFFFF"/>
+                </a:solidFill>
+                <a:ea typeface="Segoe UI" pitchFamily="34" charset="0"/>
+                <a:cs typeface="Segoe UI" pitchFamily="34" charset="0"/>
+              </a:rPr>
+              <a:t>paramétrer</a:t>
+            </a:r>
+            <a:r>
+              <a:rPr lang="en-US" sz="1765" kern="0" spc="-98" dirty="0" err="1" smtClean="0">
+                <a:solidFill>
+                  <a:srgbClr val="FFFFFF"/>
+                </a:solidFill>
+                <a:ea typeface="Segoe UI" pitchFamily="34" charset="0"/>
+                <a:cs typeface="Segoe UI" pitchFamily="34" charset="0"/>
+              </a:rPr>
+              <a:t>,</a:t>
+            </a:r>
+            <a:r>
+              <a:rPr lang="en-US" sz="1765" kern="0" dirty="0" err="1" smtClean="0">
+                <a:solidFill>
+                  <a:srgbClr val="FFFFFF"/>
+                </a:solidFill>
+                <a:ea typeface="Segoe UI" pitchFamily="34" charset="0"/>
+                <a:cs typeface="Segoe UI" pitchFamily="34" charset="0"/>
+              </a:rPr>
+              <a:t>un</a:t>
+            </a:r>
+            <a:r>
+              <a:rPr lang="en-US" sz="1765" kern="0" dirty="0" smtClean="0">
+                <a:solidFill>
+                  <a:srgbClr val="FFFFFF"/>
+                </a:solidFill>
+                <a:ea typeface="Segoe UI" pitchFamily="34" charset="0"/>
+                <a:cs typeface="Segoe UI" pitchFamily="34" charset="0"/>
+              </a:rPr>
+              <a:t> </a:t>
+            </a:r>
+            <a:r>
+              <a:rPr lang="en-US" sz="1765" kern="0" dirty="0" err="1" smtClean="0">
+                <a:solidFill>
+                  <a:srgbClr val="FFFFFF"/>
+                </a:solidFill>
+                <a:ea typeface="Segoe UI" pitchFamily="34" charset="0"/>
+                <a:cs typeface="Segoe UI" pitchFamily="34" charset="0"/>
+              </a:rPr>
+              <a:t>seul</a:t>
+            </a:r>
+            <a:r>
+              <a:rPr lang="en-US" sz="1765" kern="0" dirty="0" smtClean="0">
+                <a:solidFill>
+                  <a:srgbClr val="FFFFFF"/>
+                </a:solidFill>
+                <a:ea typeface="Segoe UI" pitchFamily="34" charset="0"/>
+                <a:cs typeface="Segoe UI" pitchFamily="34" charset="0"/>
+              </a:rPr>
+              <a:t> </a:t>
+            </a:r>
+            <a:r>
+              <a:rPr lang="en-US" sz="1765" kern="0" dirty="0" err="1" smtClean="0">
+                <a:solidFill>
+                  <a:srgbClr val="FFFFFF"/>
+                </a:solidFill>
+                <a:ea typeface="Segoe UI" pitchFamily="34" charset="0"/>
+                <a:cs typeface="Segoe UI" pitchFamily="34" charset="0"/>
+              </a:rPr>
+              <a:t>portail</a:t>
+            </a:r>
+            <a:r>
+              <a:rPr lang="en-US" sz="1765" kern="0" dirty="0" smtClean="0">
+                <a:solidFill>
+                  <a:srgbClr val="FFFFFF"/>
+                </a:solidFill>
+                <a:ea typeface="Segoe UI" pitchFamily="34" charset="0"/>
+                <a:cs typeface="Segoe UI" pitchFamily="34" charset="0"/>
+              </a:rPr>
+              <a:t> pour </a:t>
+            </a:r>
+            <a:r>
+              <a:rPr lang="en-US" sz="1765" kern="0" dirty="0" err="1" smtClean="0">
+                <a:solidFill>
+                  <a:srgbClr val="FFFFFF"/>
+                </a:solidFill>
+                <a:ea typeface="Segoe UI" pitchFamily="34" charset="0"/>
+                <a:cs typeface="Segoe UI" pitchFamily="34" charset="0"/>
+              </a:rPr>
+              <a:t>surveiller</a:t>
+            </a:r>
+            <a:r>
+              <a:rPr lang="en-US" sz="1765" kern="0" dirty="0" smtClean="0">
+                <a:solidFill>
+                  <a:srgbClr val="FFFFFF"/>
+                </a:solidFill>
+                <a:ea typeface="Segoe UI" pitchFamily="34" charset="0"/>
+                <a:cs typeface="Segoe UI" pitchFamily="34" charset="0"/>
+              </a:rPr>
+              <a:t> et </a:t>
+            </a:r>
+            <a:r>
+              <a:rPr lang="en-US" sz="1765" kern="0" dirty="0" err="1" smtClean="0">
+                <a:solidFill>
+                  <a:srgbClr val="FFFFFF"/>
+                </a:solidFill>
+                <a:ea typeface="Segoe UI" pitchFamily="34" charset="0"/>
+                <a:cs typeface="Segoe UI" pitchFamily="34" charset="0"/>
+              </a:rPr>
+              <a:t>mettre</a:t>
+            </a:r>
+            <a:r>
+              <a:rPr lang="en-US" sz="1765" kern="0" dirty="0" smtClean="0">
+                <a:solidFill>
+                  <a:srgbClr val="FFFFFF"/>
+                </a:solidFill>
+                <a:ea typeface="Segoe UI" pitchFamily="34" charset="0"/>
+                <a:cs typeface="Segoe UI" pitchFamily="34" charset="0"/>
+              </a:rPr>
+              <a:t> </a:t>
+            </a:r>
+            <a:r>
+              <a:rPr lang="en-US" sz="1765" kern="0" dirty="0" err="1" smtClean="0">
+                <a:solidFill>
+                  <a:srgbClr val="FFFFFF"/>
+                </a:solidFill>
+                <a:ea typeface="Segoe UI" pitchFamily="34" charset="0"/>
+                <a:cs typeface="Segoe UI" pitchFamily="34" charset="0"/>
+              </a:rPr>
+              <a:t>à</a:t>
+            </a:r>
+            <a:r>
+              <a:rPr lang="en-US" sz="1765" kern="0" dirty="0" smtClean="0">
+                <a:solidFill>
+                  <a:srgbClr val="FFFFFF"/>
+                </a:solidFill>
+                <a:ea typeface="Segoe UI" pitchFamily="34" charset="0"/>
+                <a:cs typeface="Segoe UI" pitchFamily="34" charset="0"/>
+              </a:rPr>
+              <a:t> jour.</a:t>
+            </a:r>
+            <a:endParaRPr lang="en-US" sz="1765" kern="0" dirty="0">
+              <a:solidFill>
+                <a:srgbClr val="FFFFFF"/>
+              </a:solidFill>
+              <a:ea typeface="Segoe UI" pitchFamily="34" charset="0"/>
+              <a:cs typeface="Segoe UI" pitchFamily="34" charset="0"/>
+            </a:endParaRPr>
           </a:p>
         </p:txBody>
       </p:sp>
@@ -18881,8 +19500,8 @@
         </p:nvSpPr>
         <p:spPr>
           <a:xfrm>
-            <a:off x="3257811" y="4442086"/>
-            <a:ext cx="2777982" cy="1448287"/>
+            <a:off x="3257811" y="4520587"/>
+            <a:ext cx="2777982" cy="1450397"/>
           </a:xfrm>
           <a:prstGeom prst="rect">
             <a:avLst/>
@@ -18903,15 +19522,172 @@
               </a:spcAft>
             </a:pPr>
             <a:r>
-              <a:rPr lang="en-US" sz="1765" kern="0" dirty="0">
+              <a:rPr lang="en-US" sz="1765" kern="0" err="1" smtClean="0">
                 <a:solidFill>
                   <a:srgbClr val="FFFFFF"/>
                 </a:solidFill>
                 <a:ea typeface="Segoe UI" pitchFamily="34" charset="0"/>
                 <a:cs typeface="Segoe UI" pitchFamily="34" charset="0"/>
               </a:rPr>
-              <a:t>Simple drag, drop and connect interface for Data Science. No need for programming for common tasks. </a:t>
-            </a:r>
+              <a:t>Simplement</a:t>
+            </a:r>
+            <a:r>
+              <a:rPr lang="en-US" sz="1765" kern="0" dirty="0" smtClean="0">
+                <a:solidFill>
+                  <a:srgbClr val="FFFFFF"/>
+                </a:solidFill>
+                <a:ea typeface="Segoe UI" pitchFamily="34" charset="0"/>
+                <a:cs typeface="Segoe UI" pitchFamily="34" charset="0"/>
+              </a:rPr>
+              <a:t> du </a:t>
+            </a:r>
+            <a:r>
+              <a:rPr lang="en-US" sz="1765" kern="0" dirty="0" err="1" smtClean="0">
+                <a:solidFill>
+                  <a:srgbClr val="FFFFFF"/>
+                </a:solidFill>
+                <a:ea typeface="Segoe UI" pitchFamily="34" charset="0"/>
+                <a:cs typeface="Segoe UI" pitchFamily="34" charset="0"/>
+              </a:rPr>
+              <a:t>glissé</a:t>
+            </a:r>
+            <a:r>
+              <a:rPr lang="en-US" sz="1765" kern="0" dirty="0" smtClean="0">
+                <a:solidFill>
+                  <a:srgbClr val="FFFFFF"/>
+                </a:solidFill>
+                <a:ea typeface="Segoe UI" pitchFamily="34" charset="0"/>
+                <a:cs typeface="Segoe UI" pitchFamily="34" charset="0"/>
+              </a:rPr>
+              <a:t>/</a:t>
+            </a:r>
+            <a:r>
+              <a:rPr lang="en-US" sz="1765" kern="0" dirty="0" err="1" smtClean="0">
+                <a:solidFill>
+                  <a:srgbClr val="FFFFFF"/>
+                </a:solidFill>
+                <a:ea typeface="Segoe UI" pitchFamily="34" charset="0"/>
+                <a:cs typeface="Segoe UI" pitchFamily="34" charset="0"/>
+              </a:rPr>
+              <a:t>déposé</a:t>
+            </a:r>
+            <a:r>
+              <a:rPr lang="en-US" sz="1765" kern="0" dirty="0" smtClean="0">
+                <a:solidFill>
+                  <a:srgbClr val="FFFFFF"/>
+                </a:solidFill>
+                <a:ea typeface="Segoe UI" pitchFamily="34" charset="0"/>
+                <a:cs typeface="Segoe UI" pitchFamily="34" charset="0"/>
+              </a:rPr>
+              <a:t> pour </a:t>
+            </a:r>
+            <a:r>
+              <a:rPr lang="en-US" sz="1765" kern="0" dirty="0" err="1" smtClean="0">
+                <a:solidFill>
+                  <a:srgbClr val="FFFFFF"/>
+                </a:solidFill>
+                <a:ea typeface="Segoe UI" pitchFamily="34" charset="0"/>
+                <a:cs typeface="Segoe UI" pitchFamily="34" charset="0"/>
+              </a:rPr>
+              <a:t>créer</a:t>
+            </a:r>
+            <a:r>
+              <a:rPr lang="en-US" sz="1765" kern="0" dirty="0" smtClean="0">
+                <a:solidFill>
+                  <a:srgbClr val="FFFFFF"/>
+                </a:solidFill>
+                <a:ea typeface="Segoe UI" pitchFamily="34" charset="0"/>
+                <a:cs typeface="Segoe UI" pitchFamily="34" charset="0"/>
+              </a:rPr>
+              <a:t> </a:t>
+            </a:r>
+            <a:r>
+              <a:rPr lang="en-US" sz="1765" kern="0" dirty="0" err="1" smtClean="0">
+                <a:solidFill>
+                  <a:srgbClr val="FFFFFF"/>
+                </a:solidFill>
+                <a:ea typeface="Segoe UI" pitchFamily="34" charset="0"/>
+                <a:cs typeface="Segoe UI" pitchFamily="34" charset="0"/>
+              </a:rPr>
+              <a:t>vos</a:t>
+            </a:r>
+            <a:r>
+              <a:rPr lang="en-US" sz="1765" kern="0" dirty="0" smtClean="0">
+                <a:solidFill>
+                  <a:srgbClr val="FFFFFF"/>
+                </a:solidFill>
+                <a:ea typeface="Segoe UI" pitchFamily="34" charset="0"/>
+                <a:cs typeface="Segoe UI" pitchFamily="34" charset="0"/>
+              </a:rPr>
+              <a:t> </a:t>
+            </a:r>
+            <a:r>
+              <a:rPr lang="en-US" sz="1765" kern="0" dirty="0" err="1" smtClean="0">
+                <a:solidFill>
+                  <a:srgbClr val="FFFFFF"/>
+                </a:solidFill>
+                <a:ea typeface="Segoe UI" pitchFamily="34" charset="0"/>
+                <a:cs typeface="Segoe UI" pitchFamily="34" charset="0"/>
+              </a:rPr>
+              <a:t>modèles</a:t>
+            </a:r>
+            <a:r>
+              <a:rPr lang="en-US" sz="1765" kern="0" dirty="0" smtClean="0">
+                <a:solidFill>
+                  <a:srgbClr val="FFFFFF"/>
+                </a:solidFill>
+                <a:ea typeface="Segoe UI" pitchFamily="34" charset="0"/>
+                <a:cs typeface="Segoe UI" pitchFamily="34" charset="0"/>
+              </a:rPr>
+              <a:t>. Pas de </a:t>
+            </a:r>
+            <a:r>
+              <a:rPr lang="en-US" sz="1765" kern="0" dirty="0" err="1" smtClean="0">
+                <a:solidFill>
+                  <a:srgbClr val="FFFFFF"/>
+                </a:solidFill>
+                <a:ea typeface="Segoe UI" pitchFamily="34" charset="0"/>
+                <a:cs typeface="Segoe UI" pitchFamily="34" charset="0"/>
+              </a:rPr>
+              <a:t>programmation</a:t>
+            </a:r>
+            <a:r>
+              <a:rPr lang="en-US" sz="1765" kern="0" dirty="0" smtClean="0">
+                <a:solidFill>
+                  <a:srgbClr val="FFFFFF"/>
+                </a:solidFill>
+                <a:ea typeface="Segoe UI" pitchFamily="34" charset="0"/>
+                <a:cs typeface="Segoe UI" pitchFamily="34" charset="0"/>
+              </a:rPr>
+              <a:t> pour les t</a:t>
+            </a:r>
+            <a:r>
+              <a:rPr lang="fr-FR" sz="1765" kern="0" dirty="0" err="1" smtClean="0">
+                <a:solidFill>
+                  <a:srgbClr val="FFFFFF"/>
+                </a:solidFill>
+                <a:ea typeface="Segoe UI" pitchFamily="34" charset="0"/>
+                <a:cs typeface="Segoe UI" pitchFamily="34" charset="0"/>
+              </a:rPr>
+              <a:t>âches</a:t>
+            </a:r>
+            <a:r>
+              <a:rPr lang="fr-FR" sz="1765" kern="0" dirty="0" smtClean="0">
+                <a:solidFill>
+                  <a:srgbClr val="FFFFFF"/>
+                </a:solidFill>
+                <a:ea typeface="Segoe UI" pitchFamily="34" charset="0"/>
+                <a:cs typeface="Segoe UI" pitchFamily="34" charset="0"/>
+              </a:rPr>
+              <a:t> habituelles.</a:t>
+            </a:r>
+            <a:endParaRPr lang="en-US" sz="1765" kern="0" dirty="0">
+              <a:solidFill>
+                <a:srgbClr val="FFFFFF"/>
+              </a:solidFill>
+              <a:ea typeface="Segoe UI" pitchFamily="34" charset="0"/>
+              <a:cs typeface="Segoe UI" pitchFamily="34" charset="0"/>
+            </a:endParaRPr>
           </a:p>
         </p:txBody>
       </p:sp>
@@ -18923,8 +19699,8 @@
         </p:nvSpPr>
         <p:spPr>
           <a:xfrm>
-            <a:off x="6036729" y="4442086"/>
-            <a:ext cx="2607782" cy="1448287"/>
+            <a:off x="6035793" y="4520587"/>
+            <a:ext cx="2607782" cy="1077218"/>
           </a:xfrm>
           <a:prstGeom prst="rect">
             <a:avLst/>
@@ -18945,15 +19721,34 @@
               </a:spcAft>
             </a:pPr>
             <a:r>
-              <a:rPr lang="en-US" sz="1765" kern="0" dirty="0">
-                <a:solidFill>
-                  <a:srgbClr val="FFFFFF"/>
-                </a:solidFill>
-                <a:ea typeface="Segoe UI" pitchFamily="34" charset="0"/>
-                <a:cs typeface="Segoe UI" pitchFamily="34" charset="0"/>
+              <a:rPr lang="fr-FR" sz="1600" dirty="0" smtClean="0">
+                <a:solidFill>
+                  <a:schemeClr val="bg1"/>
+                </a:solidFill>
               </a:rPr>
-              <a:t>Built-in collection of best of breed algorithms. Support for R and popular CRAN packages.</a:t>
-            </a:r>
+              <a:t>Collection </a:t>
+            </a:r>
+            <a:r>
+              <a:rPr lang="fr-FR" sz="1600" dirty="0">
+                <a:solidFill>
+                  <a:schemeClr val="bg1"/>
+                </a:solidFill>
+              </a:rPr>
+              <a:t>des meilleurs algorithmes déjà intégrée. Support pour R et les packages CRAN populaires</a:t>
+            </a:r>
+            <a:r>
+              <a:rPr lang="fr-FR" sz="1600" dirty="0" smtClean="0">
+                <a:solidFill>
+                  <a:schemeClr val="bg1"/>
+                </a:solidFill>
+              </a:rPr>
+              <a:t>.</a:t>
+            </a:r>
+            <a:endParaRPr lang="fr-FR" sz="1600" dirty="0">
+              <a:solidFill>
+                <a:schemeClr val="bg1"/>
+              </a:solidFill>
+            </a:endParaRPr>
           </a:p>
         </p:txBody>
       </p:sp>
@@ -18965,8 +19760,8 @@
         </p:nvSpPr>
         <p:spPr>
           <a:xfrm>
-            <a:off x="8816581" y="4442087"/>
-            <a:ext cx="2607782" cy="1176733"/>
+            <a:off x="8814710" y="4479501"/>
+            <a:ext cx="2607782" cy="1077218"/>
           </a:xfrm>
           <a:prstGeom prst="rect">
             <a:avLst/>
@@ -18978,23 +19773,29 @@
           </a:bodyPr>
           <a:lstStyle/>
           <a:p>
-            <a:pPr defTabSz="914102" fontAlgn="base">
-              <a:spcBef>
-                <a:spcPts val="588"/>
-              </a:spcBef>
-              <a:spcAft>
-                <a:spcPct val="0"/>
-              </a:spcAft>
-            </a:pPr>
-            <a:r>
-              <a:rPr lang="en-US" sz="1765" kern="0" dirty="0">
-                <a:solidFill>
-                  <a:srgbClr val="FFFFFF"/>
-                </a:solidFill>
-                <a:ea typeface="Segoe UI" pitchFamily="34" charset="0"/>
-                <a:cs typeface="Segoe UI" pitchFamily="34" charset="0"/>
+            <a:r>
+              <a:rPr lang="fr-FR" sz="1600" dirty="0">
+                <a:solidFill>
+                  <a:schemeClr val="bg1"/>
+                </a:solidFill>
               </a:rPr>
-              <a:t>Operationalize models with a single click. Monetize in Machine Learning Marketplace.</a:t>
+              <a:t>Rendez opérationnels </a:t>
+            </a:r>
+            <a:r>
+              <a:rPr lang="fr-FR" sz="1600" dirty="0" smtClean="0">
+                <a:solidFill>
+                  <a:schemeClr val="bg1"/>
+                </a:solidFill>
+              </a:rPr>
+              <a:t>vos modèles </a:t>
+            </a:r>
+            <a:r>
+              <a:rPr lang="fr-FR" sz="1600" dirty="0">
+                <a:solidFill>
+                  <a:schemeClr val="bg1"/>
+                </a:solidFill>
+              </a:rPr>
+              <a:t>en un clic. Monétisez dans Machine Learning Marketplace.</a:t>
             </a:r>
           </a:p>
         </p:txBody>
@@ -19009,6 +19810,13 @@
   <p:clrMapOvr>
     <a:masterClrMapping/>
   </p:clrMapOvr>
+  <p:timing>
+    <p:tnLst>
+      <p:par>
+        <p:cTn id="1" dur="indefinite" restart="never" nodeType="tmRoot"/>
+      </p:par>
+    </p:tnLst>
+  </p:timing>
 </p:sld>
 </file>
 
@@ -19193,10 +20001,10 @@
           <a:lstStyle/>
           <a:p>
             <a:r>
-              <a:rPr lang="en-US" dirty="0" smtClean="0"/>
+              <a:rPr lang="en-US" smtClean="0"/>
               <a:t>Azure Machine Learning Studio</a:t>
             </a:r>
-            <a:endParaRPr lang="en-US" dirty="0"/>
+            <a:endParaRPr lang="en-US"/>
           </a:p>
         </p:txBody>
       </p:sp>
@@ -19222,90 +20030,52 @@
           </a:bodyPr>
           <a:lstStyle/>
           <a:p>
-            <a:r>
-              <a:rPr lang="en-US" dirty="0" smtClean="0"/>
-              <a:t>Visual editor for composing, testing, refining, and deploying machine-learning models</a:t>
-            </a:r>
-            <a:endParaRPr lang="en-US" dirty="0"/>
+            <a:pPr lvl="0"/>
+            <a:r>
+              <a:rPr lang="fr-FR" dirty="0"/>
+              <a:t>Editeur pour créer, tester, affiner et déployer vos modèles de Machine Learning.</a:t>
+            </a:r>
           </a:p>
           <a:p>
             <a:pPr lvl="1"/>
             <a:r>
-              <a:rPr lang="en-US" dirty="0"/>
-              <a:t>Includes </a:t>
-            </a:r>
-            <a:r>
-              <a:rPr lang="en-US" dirty="0" smtClean="0"/>
-              <a:t>hundreds of modules</a:t>
-            </a:r>
-            <a:endParaRPr lang="en-US" dirty="0"/>
+              <a:rPr lang="fr-FR" dirty="0"/>
+              <a:t>Inclut des centaines de modules</a:t>
+            </a:r>
           </a:p>
           <a:p>
             <a:pPr lvl="1"/>
             <a:r>
-              <a:rPr lang="en-US" dirty="0"/>
-              <a:t>Includes </a:t>
-            </a:r>
-            <a:r>
-              <a:rPr lang="en-US" dirty="0" smtClean="0"/>
-              <a:t>common algorithms </a:t>
-            </a:r>
-            <a:r>
-              <a:rPr lang="en-US" dirty="0"/>
-              <a:t>for classification, regression, </a:t>
-            </a:r>
-            <a:r>
-              <a:rPr lang="en-US" dirty="0" smtClean="0"/>
-              <a:t>and </a:t>
-            </a:r>
-            <a:r>
-              <a:rPr lang="en-US" dirty="0"/>
-              <a:t>more</a:t>
+              <a:rPr lang="fr-FR" dirty="0"/>
+              <a:t>Inclut les algorithmes communs de classification, </a:t>
+            </a:r>
+            <a:r>
+              <a:rPr lang="fr-FR" dirty="0" smtClean="0"/>
+              <a:t>régression </a:t>
+            </a:r>
+            <a:r>
+              <a:rPr lang="fr-FR" dirty="0"/>
+              <a:t>et plus encore</a:t>
             </a:r>
           </a:p>
           <a:p>
             <a:pPr lvl="1"/>
             <a:r>
-              <a:rPr lang="en-US" dirty="0"/>
-              <a:t>Supports </a:t>
-            </a:r>
-            <a:r>
-              <a:rPr lang="en-US" dirty="0" smtClean="0"/>
-              <a:t>numerous input formats</a:t>
-            </a:r>
-            <a:endParaRPr lang="en-US" dirty="0"/>
+              <a:rPr lang="fr-FR" dirty="0"/>
+              <a:t>Supporte de nombreux formats d’entrée </a:t>
+            </a:r>
           </a:p>
           <a:p>
             <a:pPr lvl="1"/>
             <a:r>
-              <a:rPr lang="en-US" dirty="0"/>
-              <a:t>Supports R and </a:t>
-            </a:r>
-            <a:r>
-              <a:rPr lang="en-US" dirty="0" smtClean="0"/>
+              <a:rPr lang="fr-FR" dirty="0"/>
+              <a:t>Supporte R et </a:t>
+            </a:r>
+            <a:r>
+              <a:rPr lang="fr-FR" dirty="0" smtClean="0"/>
               <a:t>Python</a:t>
             </a:r>
-          </a:p>
-          <a:p>
-            <a:r>
-              <a:rPr lang="en-US" dirty="0" smtClean="0"/>
-              <a:t>Machine </a:t>
-            </a:r>
-            <a:r>
-              <a:rPr lang="en-US" dirty="0"/>
-              <a:t>l</a:t>
-            </a:r>
-            <a:r>
-              <a:rPr lang="en-US" dirty="0" smtClean="0"/>
-              <a:t>earning </a:t>
-            </a:r>
-            <a:r>
-              <a:rPr lang="en-US" dirty="0"/>
-              <a:t>for the masses</a:t>
-            </a:r>
-          </a:p>
-          <a:p>
-            <a:endParaRPr lang="en-US" dirty="0"/>
+            <a:endParaRPr lang="fr-FR" dirty="0"/>
           </a:p>
         </p:txBody>
       </p:sp>
@@ -19406,10 +20176,10 @@
           <a:lstStyle/>
           <a:p>
             <a:r>
-              <a:rPr lang="en-US" dirty="0" smtClean="0"/>
+              <a:rPr lang="en-US" smtClean="0"/>
               <a:t>The Machine Learning Process</a:t>
             </a:r>
-            <a:endParaRPr lang="en-US" dirty="0"/>
+            <a:endParaRPr lang="en-US"/>
           </a:p>
         </p:txBody>
       </p:sp>
@@ -19565,8 +20335,20 @@
           <a:lstStyle/>
           <a:p>
             <a:r>
+              <a:rPr lang="en-US" dirty="0" err="1" smtClean="0"/>
+              <a:t>Algorithmes</a:t>
+            </a:r>
+            <a:r>
               <a:rPr lang="en-US" dirty="0" smtClean="0"/>
-              <a:t>Azure Machine Learning Algorithms</a:t>
+              <a:t> </a:t>
+            </a:r>
+            <a:r>
+              <a:rPr lang="en-US" dirty="0" err="1" smtClean="0"/>
+              <a:t>d’Azure</a:t>
+            </a:r>
+            <a:r>
+              <a:rPr lang="en-US" dirty="0" smtClean="0"/>
+              <a:t> Machine Learning</a:t>
             </a:r>
             <a:endParaRPr lang="en-US" dirty="0"/>
           </a:p>
